--- a/WenyuFan_ML_final1.pptx
+++ b/WenyuFan_ML_final1.pptx
@@ -15,9 +15,8 @@
     <p:sldId id="260" r:id="rId12"/>
     <p:sldId id="261" r:id="rId13"/>
     <p:sldId id="262" r:id="rId14"/>
-    <p:sldId id="263" r:id="rId15"/>
   </p:sldIdLst>
-  <p:sldSz cx="9144000" cy="6858000"/>
+  <p:sldSz cx="12192000" cy="6858000"/>
   <p:notesSz cx="6858000" cy="9144000"/>
   <p:defaultTextStyle>
     <a:defPPr marL="0" marR="0" indent="0" algn="l" defTabSz="914400" rtl="0" fontAlgn="auto" latinLnBrk="1" hangingPunct="0">
@@ -70,9 +69,9 @@
         </a:solidFill>
         <a:effectLst/>
         <a:uFillTx/>
-        <a:latin typeface="+mn-lt"/>
-        <a:ea typeface="+mn-ea"/>
-        <a:cs typeface="+mn-cs"/>
+        <a:latin typeface="+mj-lt"/>
+        <a:ea typeface="+mj-ea"/>
+        <a:cs typeface="+mj-cs"/>
         <a:sym typeface="Calibri"/>
       </a:defRPr>
     </a:lvl1pPr>
@@ -100,9 +99,9 @@
         </a:solidFill>
         <a:effectLst/>
         <a:uFillTx/>
-        <a:latin typeface="+mn-lt"/>
-        <a:ea typeface="+mn-ea"/>
-        <a:cs typeface="+mn-cs"/>
+        <a:latin typeface="+mj-lt"/>
+        <a:ea typeface="+mj-ea"/>
+        <a:cs typeface="+mj-cs"/>
         <a:sym typeface="Calibri"/>
       </a:defRPr>
     </a:lvl2pPr>
@@ -130,9 +129,9 @@
         </a:solidFill>
         <a:effectLst/>
         <a:uFillTx/>
-        <a:latin typeface="+mn-lt"/>
-        <a:ea typeface="+mn-ea"/>
-        <a:cs typeface="+mn-cs"/>
+        <a:latin typeface="+mj-lt"/>
+        <a:ea typeface="+mj-ea"/>
+        <a:cs typeface="+mj-cs"/>
         <a:sym typeface="Calibri"/>
       </a:defRPr>
     </a:lvl3pPr>
@@ -160,9 +159,9 @@
         </a:solidFill>
         <a:effectLst/>
         <a:uFillTx/>
-        <a:latin typeface="+mn-lt"/>
-        <a:ea typeface="+mn-ea"/>
-        <a:cs typeface="+mn-cs"/>
+        <a:latin typeface="+mj-lt"/>
+        <a:ea typeface="+mj-ea"/>
+        <a:cs typeface="+mj-cs"/>
         <a:sym typeface="Calibri"/>
       </a:defRPr>
     </a:lvl4pPr>
@@ -190,9 +189,9 @@
         </a:solidFill>
         <a:effectLst/>
         <a:uFillTx/>
-        <a:latin typeface="+mn-lt"/>
-        <a:ea typeface="+mn-ea"/>
-        <a:cs typeface="+mn-cs"/>
+        <a:latin typeface="+mj-lt"/>
+        <a:ea typeface="+mj-ea"/>
+        <a:cs typeface="+mj-cs"/>
         <a:sym typeface="Calibri"/>
       </a:defRPr>
     </a:lvl5pPr>
@@ -220,9 +219,9 @@
         </a:solidFill>
         <a:effectLst/>
         <a:uFillTx/>
-        <a:latin typeface="+mn-lt"/>
-        <a:ea typeface="+mn-ea"/>
-        <a:cs typeface="+mn-cs"/>
+        <a:latin typeface="+mj-lt"/>
+        <a:ea typeface="+mj-ea"/>
+        <a:cs typeface="+mj-cs"/>
         <a:sym typeface="Calibri"/>
       </a:defRPr>
     </a:lvl6pPr>
@@ -250,9 +249,9 @@
         </a:solidFill>
         <a:effectLst/>
         <a:uFillTx/>
-        <a:latin typeface="+mn-lt"/>
-        <a:ea typeface="+mn-ea"/>
-        <a:cs typeface="+mn-cs"/>
+        <a:latin typeface="+mj-lt"/>
+        <a:ea typeface="+mj-ea"/>
+        <a:cs typeface="+mj-cs"/>
         <a:sym typeface="Calibri"/>
       </a:defRPr>
     </a:lvl7pPr>
@@ -280,9 +279,9 @@
         </a:solidFill>
         <a:effectLst/>
         <a:uFillTx/>
-        <a:latin typeface="+mn-lt"/>
-        <a:ea typeface="+mn-ea"/>
-        <a:cs typeface="+mn-cs"/>
+        <a:latin typeface="+mj-lt"/>
+        <a:ea typeface="+mj-ea"/>
+        <a:cs typeface="+mj-cs"/>
         <a:sym typeface="Calibri"/>
       </a:defRPr>
     </a:lvl8pPr>
@@ -310,9 +309,9 @@
         </a:solidFill>
         <a:effectLst/>
         <a:uFillTx/>
-        <a:latin typeface="+mn-lt"/>
-        <a:ea typeface="+mn-ea"/>
-        <a:cs typeface="+mn-cs"/>
+        <a:latin typeface="+mj-lt"/>
+        <a:ea typeface="+mj-ea"/>
+        <a:cs typeface="+mj-cs"/>
         <a:sym typeface="Calibri"/>
       </a:defRPr>
     </a:lvl9pPr>
@@ -397,73 +396,73 @@
   <p:notesStyle>
     <a:lvl1pPr latinLnBrk="0">
       <a:defRPr sz="1200">
-        <a:latin typeface="+mn-lt"/>
-        <a:ea typeface="+mn-ea"/>
-        <a:cs typeface="+mn-cs"/>
+        <a:latin typeface="+mj-lt"/>
+        <a:ea typeface="+mj-ea"/>
+        <a:cs typeface="+mj-cs"/>
         <a:sym typeface="Calibri"/>
       </a:defRPr>
     </a:lvl1pPr>
     <a:lvl2pPr indent="228600" latinLnBrk="0">
       <a:defRPr sz="1200">
-        <a:latin typeface="+mn-lt"/>
-        <a:ea typeface="+mn-ea"/>
-        <a:cs typeface="+mn-cs"/>
+        <a:latin typeface="+mj-lt"/>
+        <a:ea typeface="+mj-ea"/>
+        <a:cs typeface="+mj-cs"/>
         <a:sym typeface="Calibri"/>
       </a:defRPr>
     </a:lvl2pPr>
     <a:lvl3pPr indent="457200" latinLnBrk="0">
       <a:defRPr sz="1200">
-        <a:latin typeface="+mn-lt"/>
-        <a:ea typeface="+mn-ea"/>
-        <a:cs typeface="+mn-cs"/>
+        <a:latin typeface="+mj-lt"/>
+        <a:ea typeface="+mj-ea"/>
+        <a:cs typeface="+mj-cs"/>
         <a:sym typeface="Calibri"/>
       </a:defRPr>
     </a:lvl3pPr>
     <a:lvl4pPr indent="685800" latinLnBrk="0">
       <a:defRPr sz="1200">
-        <a:latin typeface="+mn-lt"/>
-        <a:ea typeface="+mn-ea"/>
-        <a:cs typeface="+mn-cs"/>
+        <a:latin typeface="+mj-lt"/>
+        <a:ea typeface="+mj-ea"/>
+        <a:cs typeface="+mj-cs"/>
         <a:sym typeface="Calibri"/>
       </a:defRPr>
     </a:lvl4pPr>
     <a:lvl5pPr indent="914400" latinLnBrk="0">
       <a:defRPr sz="1200">
-        <a:latin typeface="+mn-lt"/>
-        <a:ea typeface="+mn-ea"/>
-        <a:cs typeface="+mn-cs"/>
+        <a:latin typeface="+mj-lt"/>
+        <a:ea typeface="+mj-ea"/>
+        <a:cs typeface="+mj-cs"/>
         <a:sym typeface="Calibri"/>
       </a:defRPr>
     </a:lvl5pPr>
     <a:lvl6pPr indent="1143000" latinLnBrk="0">
       <a:defRPr sz="1200">
-        <a:latin typeface="+mn-lt"/>
-        <a:ea typeface="+mn-ea"/>
-        <a:cs typeface="+mn-cs"/>
+        <a:latin typeface="+mj-lt"/>
+        <a:ea typeface="+mj-ea"/>
+        <a:cs typeface="+mj-cs"/>
         <a:sym typeface="Calibri"/>
       </a:defRPr>
     </a:lvl6pPr>
     <a:lvl7pPr indent="1371600" latinLnBrk="0">
       <a:defRPr sz="1200">
-        <a:latin typeface="+mn-lt"/>
-        <a:ea typeface="+mn-ea"/>
-        <a:cs typeface="+mn-cs"/>
+        <a:latin typeface="+mj-lt"/>
+        <a:ea typeface="+mj-ea"/>
+        <a:cs typeface="+mj-cs"/>
         <a:sym typeface="Calibri"/>
       </a:defRPr>
     </a:lvl7pPr>
     <a:lvl8pPr indent="1600200" latinLnBrk="0">
       <a:defRPr sz="1200">
-        <a:latin typeface="+mn-lt"/>
-        <a:ea typeface="+mn-ea"/>
-        <a:cs typeface="+mn-cs"/>
+        <a:latin typeface="+mj-lt"/>
+        <a:ea typeface="+mj-ea"/>
+        <a:cs typeface="+mj-cs"/>
         <a:sym typeface="Calibri"/>
       </a:defRPr>
     </a:lvl8pPr>
     <a:lvl9pPr indent="1828800" latinLnBrk="0">
       <a:defRPr sz="1200">
-        <a:latin typeface="+mn-lt"/>
-        <a:ea typeface="+mn-ea"/>
-        <a:cs typeface="+mn-cs"/>
+        <a:latin typeface="+mj-lt"/>
+        <a:ea typeface="+mj-ea"/>
+        <a:cs typeface="+mj-cs"/>
         <a:sym typeface="Calibri"/>
       </a:defRPr>
     </a:lvl9pPr>
@@ -498,16 +497,20 @@
         </p:nvSpPr>
         <p:spPr>
           <a:xfrm>
-            <a:off x="685800" y="2130425"/>
-            <a:ext cx="7772400" cy="1470025"/>
+            <a:off x="1524000" y="1122362"/>
+            <a:ext cx="9144000" cy="2387601"/>
           </a:xfrm>
           <a:prstGeom prst="rect">
             <a:avLst/>
           </a:prstGeom>
         </p:spPr>
         <p:txBody>
-          <a:bodyPr/>
-          <a:lstStyle/>
+          <a:bodyPr anchor="b"/>
+          <a:lstStyle>
+            <a:lvl1pPr algn="ctr">
+              <a:defRPr sz="6000"/>
+            </a:lvl1pPr>
+          </a:lstStyle>
           <a:p>
             <a:pPr/>
             <a:r>
@@ -526,8 +529,8 @@
         </p:nvSpPr>
         <p:spPr>
           <a:xfrm>
-            <a:off x="1371600" y="3886200"/>
-            <a:ext cx="6400800" cy="1752600"/>
+            <a:off x="1524000" y="3602037"/>
+            <a:ext cx="9144000" cy="1655763"/>
           </a:xfrm>
           <a:prstGeom prst="rect">
             <a:avLst/>
@@ -540,51 +543,31 @@
               <a:buSzTx/>
               <a:buFontTx/>
               <a:buNone/>
-              <a:defRPr>
-                <a:solidFill>
-                  <a:srgbClr val="888888"/>
-                </a:solidFill>
-              </a:defRPr>
+              <a:defRPr sz="2400"/>
             </a:lvl1pPr>
             <a:lvl2pPr marL="0" indent="457200" algn="ctr">
               <a:buSzTx/>
               <a:buFontTx/>
               <a:buNone/>
-              <a:defRPr>
-                <a:solidFill>
-                  <a:srgbClr val="888888"/>
-                </a:solidFill>
-              </a:defRPr>
+              <a:defRPr sz="2400"/>
             </a:lvl2pPr>
             <a:lvl3pPr marL="0" indent="914400" algn="ctr">
               <a:buSzTx/>
               <a:buFontTx/>
               <a:buNone/>
-              <a:defRPr>
-                <a:solidFill>
-                  <a:srgbClr val="888888"/>
-                </a:solidFill>
-              </a:defRPr>
+              <a:defRPr sz="2400"/>
             </a:lvl3pPr>
             <a:lvl4pPr marL="0" indent="1371600" algn="ctr">
               <a:buSzTx/>
               <a:buFontTx/>
               <a:buNone/>
-              <a:defRPr>
-                <a:solidFill>
-                  <a:srgbClr val="888888"/>
-                </a:solidFill>
-              </a:defRPr>
+              <a:defRPr sz="2400"/>
             </a:lvl4pPr>
             <a:lvl5pPr marL="0" indent="1828800" algn="ctr">
               <a:buSzTx/>
               <a:buFontTx/>
               <a:buNone/>
-              <a:defRPr>
-                <a:solidFill>
-                  <a:srgbClr val="888888"/>
-                </a:solidFill>
-              </a:defRPr>
+              <a:defRPr sz="2400"/>
             </a:lvl5pPr>
           </a:lstStyle>
           <a:p>
@@ -797,18 +780,18 @@
         </p:nvSpPr>
         <p:spPr>
           <a:xfrm>
-            <a:off x="722312" y="4406900"/>
-            <a:ext cx="7772401" cy="1362075"/>
+            <a:off x="831850" y="1709738"/>
+            <a:ext cx="10515600" cy="2852737"/>
           </a:xfrm>
           <a:prstGeom prst="rect">
             <a:avLst/>
           </a:prstGeom>
         </p:spPr>
         <p:txBody>
-          <a:bodyPr anchor="t"/>
+          <a:bodyPr anchor="b"/>
           <a:lstStyle>
-            <a:lvl1pPr algn="l">
-              <a:defRPr b="1" cap="all" sz="4000"/>
+            <a:lvl1pPr>
+              <a:defRPr sz="6000"/>
             </a:lvl1pPr>
           </a:lstStyle>
           <a:p>
@@ -829,76 +812,61 @@
         </p:nvSpPr>
         <p:spPr>
           <a:xfrm>
-            <a:off x="722312" y="2906713"/>
-            <a:ext cx="7772401" cy="1500188"/>
+            <a:off x="831850" y="4589462"/>
+            <a:ext cx="10515600" cy="1500188"/>
           </a:xfrm>
           <a:prstGeom prst="rect">
             <a:avLst/>
           </a:prstGeom>
         </p:spPr>
         <p:txBody>
-          <a:bodyPr anchor="b"/>
+          <a:bodyPr/>
           <a:lstStyle>
             <a:lvl1pPr marL="0" indent="0">
-              <a:spcBef>
-                <a:spcPts val="400"/>
-              </a:spcBef>
               <a:buSzTx/>
               <a:buFontTx/>
               <a:buNone/>
-              <a:defRPr sz="2000">
+              <a:defRPr sz="2400">
                 <a:solidFill>
                   <a:srgbClr val="888888"/>
                 </a:solidFill>
               </a:defRPr>
             </a:lvl1pPr>
             <a:lvl2pPr marL="0" indent="457200">
-              <a:spcBef>
-                <a:spcPts val="400"/>
-              </a:spcBef>
               <a:buSzTx/>
               <a:buFontTx/>
               <a:buNone/>
-              <a:defRPr sz="2000">
+              <a:defRPr sz="2400">
                 <a:solidFill>
                   <a:srgbClr val="888888"/>
                 </a:solidFill>
               </a:defRPr>
             </a:lvl2pPr>
             <a:lvl3pPr marL="0" indent="914400">
-              <a:spcBef>
-                <a:spcPts val="400"/>
-              </a:spcBef>
               <a:buSzTx/>
               <a:buFontTx/>
               <a:buNone/>
-              <a:defRPr sz="2000">
+              <a:defRPr sz="2400">
                 <a:solidFill>
                   <a:srgbClr val="888888"/>
                 </a:solidFill>
               </a:defRPr>
             </a:lvl3pPr>
             <a:lvl4pPr marL="0" indent="1371600">
-              <a:spcBef>
-                <a:spcPts val="400"/>
-              </a:spcBef>
               <a:buSzTx/>
               <a:buFontTx/>
               <a:buNone/>
-              <a:defRPr sz="2000">
+              <a:defRPr sz="2400">
                 <a:solidFill>
                   <a:srgbClr val="888888"/>
                 </a:solidFill>
               </a:defRPr>
             </a:lvl4pPr>
             <a:lvl5pPr marL="0" indent="1828800">
-              <a:spcBef>
-                <a:spcPts val="400"/>
-              </a:spcBef>
               <a:buSzTx/>
               <a:buFontTx/>
               <a:buNone/>
-              <a:defRPr sz="2000">
+              <a:defRPr sz="2400">
                 <a:solidFill>
                   <a:srgbClr val="888888"/>
                 </a:solidFill>
@@ -1019,8 +987,8 @@
         </p:nvSpPr>
         <p:spPr>
           <a:xfrm>
-            <a:off x="457200" y="1600200"/>
-            <a:ext cx="4038600" cy="4525963"/>
+            <a:off x="838200" y="1825625"/>
+            <a:ext cx="5181600" cy="4351338"/>
           </a:xfrm>
           <a:prstGeom prst="rect">
             <a:avLst/>
@@ -1028,38 +996,7 @@
         </p:spPr>
         <p:txBody>
           <a:bodyPr/>
-          <a:lstStyle>
-            <a:lvl1pPr>
-              <a:spcBef>
-                <a:spcPts val="600"/>
-              </a:spcBef>
-              <a:defRPr sz="2800"/>
-            </a:lvl1pPr>
-            <a:lvl2pPr marL="790575" indent="-333375">
-              <a:spcBef>
-                <a:spcPts val="600"/>
-              </a:spcBef>
-              <a:defRPr sz="2800"/>
-            </a:lvl2pPr>
-            <a:lvl3pPr marL="1234439" indent="-320039">
-              <a:spcBef>
-                <a:spcPts val="600"/>
-              </a:spcBef>
-              <a:defRPr sz="2800"/>
-            </a:lvl3pPr>
-            <a:lvl4pPr marL="1727200" indent="-355600">
-              <a:spcBef>
-                <a:spcPts val="600"/>
-              </a:spcBef>
-              <a:defRPr sz="2800"/>
-            </a:lvl4pPr>
-            <a:lvl5pPr marL="2184400" indent="-355600">
-              <a:spcBef>
-                <a:spcPts val="600"/>
-              </a:spcBef>
-              <a:defRPr sz="2800"/>
-            </a:lvl5pPr>
-          </a:lstStyle>
+          <a:lstStyle/>
           <a:p>
             <a:pPr/>
             <a:r>
@@ -1149,6 +1086,10 @@
           </p:nvPr>
         </p:nvSpPr>
         <p:spPr>
+          <a:xfrm>
+            <a:off x="839787" y="365125"/>
+            <a:ext cx="10515601" cy="1325563"/>
+          </a:xfrm>
           <a:prstGeom prst="rect">
             <a:avLst/>
           </a:prstGeom>
@@ -1174,8 +1115,8 @@
         </p:nvSpPr>
         <p:spPr>
           <a:xfrm>
-            <a:off x="457200" y="1535112"/>
-            <a:ext cx="4040188" cy="639763"/>
+            <a:off x="839787" y="1681163"/>
+            <a:ext cx="5157789" cy="823913"/>
           </a:xfrm>
           <a:prstGeom prst="rect">
             <a:avLst/>
@@ -1185,45 +1126,30 @@
           <a:bodyPr anchor="b"/>
           <a:lstStyle>
             <a:lvl1pPr marL="0" indent="0">
-              <a:spcBef>
-                <a:spcPts val="500"/>
-              </a:spcBef>
               <a:buSzTx/>
               <a:buFontTx/>
               <a:buNone/>
               <a:defRPr b="1" sz="2400"/>
             </a:lvl1pPr>
             <a:lvl2pPr marL="0" indent="457200">
-              <a:spcBef>
-                <a:spcPts val="500"/>
-              </a:spcBef>
               <a:buSzTx/>
               <a:buFontTx/>
               <a:buNone/>
               <a:defRPr b="1" sz="2400"/>
             </a:lvl2pPr>
             <a:lvl3pPr marL="0" indent="914400">
-              <a:spcBef>
-                <a:spcPts val="500"/>
-              </a:spcBef>
               <a:buSzTx/>
               <a:buFontTx/>
               <a:buNone/>
               <a:defRPr b="1" sz="2400"/>
             </a:lvl3pPr>
             <a:lvl4pPr marL="0" indent="1371600">
-              <a:spcBef>
-                <a:spcPts val="500"/>
-              </a:spcBef>
               <a:buSzTx/>
               <a:buFontTx/>
               <a:buNone/>
               <a:defRPr b="1" sz="2400"/>
             </a:lvl4pPr>
             <a:lvl5pPr marL="0" indent="1828800">
-              <a:spcBef>
-                <a:spcPts val="500"/>
-              </a:spcBef>
               <a:buSzTx/>
               <a:buFontTx/>
               <a:buNone/>
@@ -1272,8 +1198,8 @@
         </p:nvSpPr>
         <p:spPr>
           <a:xfrm>
-            <a:off x="4645025" y="1535112"/>
-            <a:ext cx="4041775" cy="639763"/>
+            <a:off x="6172200" y="1681163"/>
+            <a:ext cx="5183188" cy="823913"/>
           </a:xfrm>
           <a:prstGeom prst="rect">
             <a:avLst/>
@@ -1284,9 +1210,6 @@
           <a:lstStyle/>
           <a:p>
             <a:pPr marL="0" indent="0">
-              <a:spcBef>
-                <a:spcPts val="500"/>
-              </a:spcBef>
               <a:buSzTx/>
               <a:buFontTx/>
               <a:buNone/>
@@ -1473,8 +1396,8 @@
         </p:nvSpPr>
         <p:spPr>
           <a:xfrm>
-            <a:off x="457200" y="273050"/>
-            <a:ext cx="3008314" cy="1162050"/>
+            <a:off x="839787" y="457200"/>
+            <a:ext cx="3932239" cy="1600200"/>
           </a:xfrm>
           <a:prstGeom prst="rect">
             <a:avLst/>
@@ -1483,8 +1406,8 @@
         <p:txBody>
           <a:bodyPr anchor="b"/>
           <a:lstStyle>
-            <a:lvl1pPr algn="l">
-              <a:defRPr b="1" sz="2000"/>
+            <a:lvl1pPr>
+              <a:defRPr sz="3200"/>
             </a:lvl1pPr>
           </a:lstStyle>
           <a:p>
@@ -1500,13 +1423,13 @@
           <p:cNvPr id="73" name="Body Level One…"/>
           <p:cNvSpPr txBox="1"/>
           <p:nvPr>
-            <p:ph type="body" idx="1"/>
+            <p:ph type="body" sz="half" idx="1"/>
           </p:nvPr>
         </p:nvSpPr>
         <p:spPr>
           <a:xfrm>
-            <a:off x="3575050" y="273050"/>
-            <a:ext cx="5111750" cy="5853113"/>
+            <a:off x="5183187" y="987425"/>
+            <a:ext cx="6172201" cy="4873625"/>
           </a:xfrm>
           <a:prstGeom prst="rect">
             <a:avLst/>
@@ -1514,7 +1437,23 @@
         </p:spPr>
         <p:txBody>
           <a:bodyPr/>
-          <a:lstStyle/>
+          <a:lstStyle>
+            <a:lvl1pPr>
+              <a:defRPr sz="3200"/>
+            </a:lvl1pPr>
+            <a:lvl2pPr marL="718457" indent="-261257">
+              <a:defRPr sz="3200"/>
+            </a:lvl2pPr>
+            <a:lvl3pPr marL="1219200" indent="-304800">
+              <a:defRPr sz="3200"/>
+            </a:lvl3pPr>
+            <a:lvl4pPr marL="1737360" indent="-365760">
+              <a:defRPr sz="3200"/>
+            </a:lvl4pPr>
+            <a:lvl5pPr marL="2194560" indent="-365760">
+              <a:defRPr sz="3200"/>
+            </a:lvl5pPr>
+          </a:lstStyle>
           <a:p>
             <a:pPr/>
             <a:r>
@@ -1552,13 +1491,13 @@
           <p:cNvPr id="74" name="Text Placeholder 3"/>
           <p:cNvSpPr/>
           <p:nvPr>
-            <p:ph type="body" sz="half" idx="13"/>
+            <p:ph type="body" sz="quarter" idx="13"/>
           </p:nvPr>
         </p:nvSpPr>
         <p:spPr>
           <a:xfrm>
-            <a:off x="457199" y="1435100"/>
-            <a:ext cx="3008315" cy="4691063"/>
+            <a:off x="839787" y="2057400"/>
+            <a:ext cx="3932239" cy="3811588"/>
           </a:xfrm>
           <a:prstGeom prst="rect">
             <a:avLst/>
@@ -1569,13 +1508,10 @@
           <a:lstStyle/>
           <a:p>
             <a:pPr marL="0" indent="0">
-              <a:spcBef>
-                <a:spcPts val="300"/>
-              </a:spcBef>
               <a:buSzTx/>
               <a:buFontTx/>
               <a:buNone/>
-              <a:defRPr sz="1400"/>
+              <a:defRPr sz="1600"/>
             </a:pPr>
           </a:p>
         </p:txBody>
@@ -1638,8 +1574,8 @@
         </p:nvSpPr>
         <p:spPr>
           <a:xfrm>
-            <a:off x="1792288" y="4800600"/>
-            <a:ext cx="5486401" cy="566738"/>
+            <a:off x="839787" y="457200"/>
+            <a:ext cx="3932239" cy="1600200"/>
           </a:xfrm>
           <a:prstGeom prst="rect">
             <a:avLst/>
@@ -1648,8 +1584,8 @@
         <p:txBody>
           <a:bodyPr anchor="b"/>
           <a:lstStyle>
-            <a:lvl1pPr algn="l">
-              <a:defRPr b="1" sz="2000"/>
+            <a:lvl1pPr>
+              <a:defRPr sz="3200"/>
             </a:lvl1pPr>
           </a:lstStyle>
           <a:p>
@@ -1670,8 +1606,8 @@
         </p:nvSpPr>
         <p:spPr>
           <a:xfrm>
-            <a:off x="1792288" y="612775"/>
-            <a:ext cx="5486401" cy="4114800"/>
+            <a:off x="5183187" y="987425"/>
+            <a:ext cx="6172201" cy="4873625"/>
           </a:xfrm>
           <a:prstGeom prst="rect">
             <a:avLst/>
@@ -1697,8 +1633,8 @@
         </p:nvSpPr>
         <p:spPr>
           <a:xfrm>
-            <a:off x="1792288" y="5367337"/>
-            <a:ext cx="5486401" cy="804863"/>
+            <a:off x="839787" y="2057400"/>
+            <a:ext cx="3932239" cy="3811588"/>
           </a:xfrm>
           <a:prstGeom prst="rect">
             <a:avLst/>
@@ -1708,49 +1644,34 @@
           <a:bodyPr/>
           <a:lstStyle>
             <a:lvl1pPr marL="0" indent="0">
-              <a:spcBef>
-                <a:spcPts val="300"/>
-              </a:spcBef>
               <a:buSzTx/>
               <a:buFontTx/>
               <a:buNone/>
-              <a:defRPr sz="1400"/>
+              <a:defRPr sz="1600"/>
             </a:lvl1pPr>
             <a:lvl2pPr marL="0" indent="457200">
-              <a:spcBef>
-                <a:spcPts val="300"/>
-              </a:spcBef>
               <a:buSzTx/>
               <a:buFontTx/>
               <a:buNone/>
-              <a:defRPr sz="1400"/>
+              <a:defRPr sz="1600"/>
             </a:lvl2pPr>
             <a:lvl3pPr marL="0" indent="914400">
-              <a:spcBef>
-                <a:spcPts val="300"/>
-              </a:spcBef>
               <a:buSzTx/>
               <a:buFontTx/>
               <a:buNone/>
-              <a:defRPr sz="1400"/>
+              <a:defRPr sz="1600"/>
             </a:lvl3pPr>
             <a:lvl4pPr marL="0" indent="1371600">
-              <a:spcBef>
-                <a:spcPts val="300"/>
-              </a:spcBef>
               <a:buSzTx/>
               <a:buFontTx/>
               <a:buNone/>
-              <a:defRPr sz="1400"/>
+              <a:defRPr sz="1600"/>
             </a:lvl4pPr>
             <a:lvl5pPr marL="0" indent="1828800">
-              <a:spcBef>
-                <a:spcPts val="300"/>
-              </a:spcBef>
               <a:buSzTx/>
               <a:buFontTx/>
               <a:buNone/>
-              <a:defRPr sz="1400"/>
+              <a:defRPr sz="1600"/>
             </a:lvl5pPr>
           </a:lstStyle>
           <a:p>
@@ -1850,8 +1771,8 @@
         </p:nvSpPr>
         <p:spPr>
           <a:xfrm>
-            <a:off x="457200" y="274638"/>
-            <a:ext cx="8229600" cy="1143001"/>
+            <a:off x="838200" y="365125"/>
+            <a:ext cx="10515600" cy="1325563"/>
           </a:xfrm>
           <a:prstGeom prst="rect">
             <a:avLst/>
@@ -1888,8 +1809,8 @@
         </p:nvSpPr>
         <p:spPr>
           <a:xfrm>
-            <a:off x="457200" y="1600200"/>
-            <a:ext cx="8229600" cy="4525963"/>
+            <a:off x="838200" y="1825625"/>
+            <a:ext cx="10515600" cy="4351338"/>
           </a:xfrm>
           <a:prstGeom prst="rect">
             <a:avLst/>
@@ -1950,7 +1871,7 @@
         </p:nvSpPr>
         <p:spPr>
           <a:xfrm>
-            <a:off x="8422818" y="6404292"/>
+            <a:off x="11089818" y="6404292"/>
             <a:ext cx="263983" cy="269241"/>
           </a:xfrm>
           <a:prstGeom prst="rect">
@@ -1996,9 +1917,9 @@
   <p:transition xmlns:p14="http://schemas.microsoft.com/office/powerpoint/2010/main" spd="med" advClick="1"/>
   <p:txStyles>
     <p:titleStyle>
-      <a:lvl1pPr marL="0" marR="0" indent="0" algn="ctr" defTabSz="914400" rtl="0" latinLnBrk="0">
+      <a:lvl1pPr marL="0" marR="0" indent="0" algn="l" defTabSz="914400" rtl="0" latinLnBrk="0">
         <a:lnSpc>
-          <a:spcPct val="100000"/>
+          <a:spcPct val="90000"/>
         </a:lnSpc>
         <a:spcBef>
           <a:spcPts val="0"/>
@@ -2019,15 +1940,15 @@
             <a:srgbClr val="000000"/>
           </a:solidFill>
           <a:uFillTx/>
-          <a:latin typeface="+mn-lt"/>
-          <a:ea typeface="+mn-ea"/>
-          <a:cs typeface="+mn-cs"/>
-          <a:sym typeface="Calibri"/>
+          <a:latin typeface="Calibri Light"/>
+          <a:ea typeface="Calibri Light"/>
+          <a:cs typeface="Calibri Light"/>
+          <a:sym typeface="Calibri Light"/>
         </a:defRPr>
       </a:lvl1pPr>
-      <a:lvl2pPr marL="0" marR="0" indent="0" algn="ctr" defTabSz="914400" rtl="0" latinLnBrk="0">
+      <a:lvl2pPr marL="0" marR="0" indent="0" algn="l" defTabSz="914400" rtl="0" latinLnBrk="0">
         <a:lnSpc>
-          <a:spcPct val="100000"/>
+          <a:spcPct val="90000"/>
         </a:lnSpc>
         <a:spcBef>
           <a:spcPts val="0"/>
@@ -2048,15 +1969,15 @@
             <a:srgbClr val="000000"/>
           </a:solidFill>
           <a:uFillTx/>
-          <a:latin typeface="+mn-lt"/>
-          <a:ea typeface="+mn-ea"/>
-          <a:cs typeface="+mn-cs"/>
-          <a:sym typeface="Calibri"/>
+          <a:latin typeface="Calibri Light"/>
+          <a:ea typeface="Calibri Light"/>
+          <a:cs typeface="Calibri Light"/>
+          <a:sym typeface="Calibri Light"/>
         </a:defRPr>
       </a:lvl2pPr>
-      <a:lvl3pPr marL="0" marR="0" indent="0" algn="ctr" defTabSz="914400" rtl="0" latinLnBrk="0">
+      <a:lvl3pPr marL="0" marR="0" indent="0" algn="l" defTabSz="914400" rtl="0" latinLnBrk="0">
         <a:lnSpc>
-          <a:spcPct val="100000"/>
+          <a:spcPct val="90000"/>
         </a:lnSpc>
         <a:spcBef>
           <a:spcPts val="0"/>
@@ -2077,15 +1998,15 @@
             <a:srgbClr val="000000"/>
           </a:solidFill>
           <a:uFillTx/>
-          <a:latin typeface="+mn-lt"/>
-          <a:ea typeface="+mn-ea"/>
-          <a:cs typeface="+mn-cs"/>
-          <a:sym typeface="Calibri"/>
+          <a:latin typeface="Calibri Light"/>
+          <a:ea typeface="Calibri Light"/>
+          <a:cs typeface="Calibri Light"/>
+          <a:sym typeface="Calibri Light"/>
         </a:defRPr>
       </a:lvl3pPr>
-      <a:lvl4pPr marL="0" marR="0" indent="0" algn="ctr" defTabSz="914400" rtl="0" latinLnBrk="0">
+      <a:lvl4pPr marL="0" marR="0" indent="0" algn="l" defTabSz="914400" rtl="0" latinLnBrk="0">
         <a:lnSpc>
-          <a:spcPct val="100000"/>
+          <a:spcPct val="90000"/>
         </a:lnSpc>
         <a:spcBef>
           <a:spcPts val="0"/>
@@ -2106,15 +2027,15 @@
             <a:srgbClr val="000000"/>
           </a:solidFill>
           <a:uFillTx/>
-          <a:latin typeface="+mn-lt"/>
-          <a:ea typeface="+mn-ea"/>
-          <a:cs typeface="+mn-cs"/>
-          <a:sym typeface="Calibri"/>
+          <a:latin typeface="Calibri Light"/>
+          <a:ea typeface="Calibri Light"/>
+          <a:cs typeface="Calibri Light"/>
+          <a:sym typeface="Calibri Light"/>
         </a:defRPr>
       </a:lvl4pPr>
-      <a:lvl5pPr marL="0" marR="0" indent="0" algn="ctr" defTabSz="914400" rtl="0" latinLnBrk="0">
+      <a:lvl5pPr marL="0" marR="0" indent="0" algn="l" defTabSz="914400" rtl="0" latinLnBrk="0">
         <a:lnSpc>
-          <a:spcPct val="100000"/>
+          <a:spcPct val="90000"/>
         </a:lnSpc>
         <a:spcBef>
           <a:spcPts val="0"/>
@@ -2135,15 +2056,15 @@
             <a:srgbClr val="000000"/>
           </a:solidFill>
           <a:uFillTx/>
-          <a:latin typeface="+mn-lt"/>
-          <a:ea typeface="+mn-ea"/>
-          <a:cs typeface="+mn-cs"/>
-          <a:sym typeface="Calibri"/>
+          <a:latin typeface="Calibri Light"/>
+          <a:ea typeface="Calibri Light"/>
+          <a:cs typeface="Calibri Light"/>
+          <a:sym typeface="Calibri Light"/>
         </a:defRPr>
       </a:lvl5pPr>
-      <a:lvl6pPr marL="0" marR="0" indent="0" algn="ctr" defTabSz="914400" rtl="0" latinLnBrk="0">
+      <a:lvl6pPr marL="0" marR="0" indent="0" algn="l" defTabSz="914400" rtl="0" latinLnBrk="0">
         <a:lnSpc>
-          <a:spcPct val="100000"/>
+          <a:spcPct val="90000"/>
         </a:lnSpc>
         <a:spcBef>
           <a:spcPts val="0"/>
@@ -2164,15 +2085,15 @@
             <a:srgbClr val="000000"/>
           </a:solidFill>
           <a:uFillTx/>
-          <a:latin typeface="+mn-lt"/>
-          <a:ea typeface="+mn-ea"/>
-          <a:cs typeface="+mn-cs"/>
-          <a:sym typeface="Calibri"/>
+          <a:latin typeface="Calibri Light"/>
+          <a:ea typeface="Calibri Light"/>
+          <a:cs typeface="Calibri Light"/>
+          <a:sym typeface="Calibri Light"/>
         </a:defRPr>
       </a:lvl6pPr>
-      <a:lvl7pPr marL="0" marR="0" indent="0" algn="ctr" defTabSz="914400" rtl="0" latinLnBrk="0">
+      <a:lvl7pPr marL="0" marR="0" indent="0" algn="l" defTabSz="914400" rtl="0" latinLnBrk="0">
         <a:lnSpc>
-          <a:spcPct val="100000"/>
+          <a:spcPct val="90000"/>
         </a:lnSpc>
         <a:spcBef>
           <a:spcPts val="0"/>
@@ -2193,15 +2114,15 @@
             <a:srgbClr val="000000"/>
           </a:solidFill>
           <a:uFillTx/>
-          <a:latin typeface="+mn-lt"/>
-          <a:ea typeface="+mn-ea"/>
-          <a:cs typeface="+mn-cs"/>
-          <a:sym typeface="Calibri"/>
+          <a:latin typeface="Calibri Light"/>
+          <a:ea typeface="Calibri Light"/>
+          <a:cs typeface="Calibri Light"/>
+          <a:sym typeface="Calibri Light"/>
         </a:defRPr>
       </a:lvl7pPr>
-      <a:lvl8pPr marL="0" marR="0" indent="0" algn="ctr" defTabSz="914400" rtl="0" latinLnBrk="0">
+      <a:lvl8pPr marL="0" marR="0" indent="0" algn="l" defTabSz="914400" rtl="0" latinLnBrk="0">
         <a:lnSpc>
-          <a:spcPct val="100000"/>
+          <a:spcPct val="90000"/>
         </a:lnSpc>
         <a:spcBef>
           <a:spcPts val="0"/>
@@ -2222,15 +2143,15 @@
             <a:srgbClr val="000000"/>
           </a:solidFill>
           <a:uFillTx/>
-          <a:latin typeface="+mn-lt"/>
-          <a:ea typeface="+mn-ea"/>
-          <a:cs typeface="+mn-cs"/>
-          <a:sym typeface="Calibri"/>
+          <a:latin typeface="Calibri Light"/>
+          <a:ea typeface="Calibri Light"/>
+          <a:cs typeface="Calibri Light"/>
+          <a:sym typeface="Calibri Light"/>
         </a:defRPr>
       </a:lvl8pPr>
-      <a:lvl9pPr marL="0" marR="0" indent="0" algn="ctr" defTabSz="914400" rtl="0" latinLnBrk="0">
+      <a:lvl9pPr marL="0" marR="0" indent="0" algn="l" defTabSz="914400" rtl="0" latinLnBrk="0">
         <a:lnSpc>
-          <a:spcPct val="100000"/>
+          <a:spcPct val="90000"/>
         </a:lnSpc>
         <a:spcBef>
           <a:spcPts val="0"/>
@@ -2251,20 +2172,20 @@
             <a:srgbClr val="000000"/>
           </a:solidFill>
           <a:uFillTx/>
-          <a:latin typeface="+mn-lt"/>
-          <a:ea typeface="+mn-ea"/>
-          <a:cs typeface="+mn-cs"/>
-          <a:sym typeface="Calibri"/>
+          <a:latin typeface="Calibri Light"/>
+          <a:ea typeface="Calibri Light"/>
+          <a:cs typeface="Calibri Light"/>
+          <a:sym typeface="Calibri Light"/>
         </a:defRPr>
       </a:lvl9pPr>
     </p:titleStyle>
     <p:bodyStyle>
-      <a:lvl1pPr marL="342900" marR="0" indent="-342900" algn="l" defTabSz="914400" rtl="0" latinLnBrk="0">
+      <a:lvl1pPr marL="228600" marR="0" indent="-228600" algn="l" defTabSz="914400" rtl="0" latinLnBrk="0">
         <a:lnSpc>
-          <a:spcPct val="100000"/>
+          <a:spcPct val="90000"/>
         </a:lnSpc>
         <a:spcBef>
-          <a:spcPts val="700"/>
+          <a:spcPts val="1000"/>
         </a:spcBef>
         <a:spcAft>
           <a:spcPts val="0"/>
@@ -2274,7 +2195,7 @@
         <a:buFont typeface="Arial"/>
         <a:buChar char="•"/>
         <a:tabLst/>
-        <a:defRPr b="0" baseline="0" cap="none" i="0" spc="0" strike="noStrike" sz="3200" u="none">
+        <a:defRPr b="0" baseline="0" cap="none" i="0" spc="0" strike="noStrike" sz="2800" u="none">
           <a:ln>
             <a:noFill/>
           </a:ln>
@@ -2282,47 +2203,18 @@
             <a:srgbClr val="000000"/>
           </a:solidFill>
           <a:uFillTx/>
-          <a:latin typeface="+mn-lt"/>
-          <a:ea typeface="+mn-ea"/>
-          <a:cs typeface="+mn-cs"/>
+          <a:latin typeface="+mj-lt"/>
+          <a:ea typeface="+mj-ea"/>
+          <a:cs typeface="+mj-cs"/>
           <a:sym typeface="Calibri"/>
         </a:defRPr>
       </a:lvl1pPr>
-      <a:lvl2pPr marL="783771" marR="0" indent="-326571" algn="l" defTabSz="914400" rtl="0" latinLnBrk="0">
+      <a:lvl2pPr marL="723900" marR="0" indent="-266700" algn="l" defTabSz="914400" rtl="0" latinLnBrk="0">
         <a:lnSpc>
-          <a:spcPct val="100000"/>
+          <a:spcPct val="90000"/>
         </a:lnSpc>
         <a:spcBef>
-          <a:spcPts val="700"/>
-        </a:spcBef>
-        <a:spcAft>
-          <a:spcPts val="0"/>
-        </a:spcAft>
-        <a:buClrTx/>
-        <a:buSzPct val="100000"/>
-        <a:buFont typeface="Arial"/>
-        <a:buChar char="–"/>
-        <a:tabLst/>
-        <a:defRPr b="0" baseline="0" cap="none" i="0" spc="0" strike="noStrike" sz="3200" u="none">
-          <a:ln>
-            <a:noFill/>
-          </a:ln>
-          <a:solidFill>
-            <a:srgbClr val="000000"/>
-          </a:solidFill>
-          <a:uFillTx/>
-          <a:latin typeface="+mn-lt"/>
-          <a:ea typeface="+mn-ea"/>
-          <a:cs typeface="+mn-cs"/>
-          <a:sym typeface="Calibri"/>
-        </a:defRPr>
-      </a:lvl2pPr>
-      <a:lvl3pPr marL="1219200" marR="0" indent="-304800" algn="l" defTabSz="914400" rtl="0" latinLnBrk="0">
-        <a:lnSpc>
-          <a:spcPct val="100000"/>
-        </a:lnSpc>
-        <a:spcBef>
-          <a:spcPts val="700"/>
+          <a:spcPts val="1000"/>
         </a:spcBef>
         <a:spcAft>
           <a:spcPts val="0"/>
@@ -2332,7 +2224,7 @@
         <a:buFont typeface="Arial"/>
         <a:buChar char="•"/>
         <a:tabLst/>
-        <a:defRPr b="0" baseline="0" cap="none" i="0" spc="0" strike="noStrike" sz="3200" u="none">
+        <a:defRPr b="0" baseline="0" cap="none" i="0" spc="0" strike="noStrike" sz="2800" u="none">
           <a:ln>
             <a:noFill/>
           </a:ln>
@@ -2340,76 +2232,18 @@
             <a:srgbClr val="000000"/>
           </a:solidFill>
           <a:uFillTx/>
-          <a:latin typeface="+mn-lt"/>
-          <a:ea typeface="+mn-ea"/>
-          <a:cs typeface="+mn-cs"/>
+          <a:latin typeface="+mj-lt"/>
+          <a:ea typeface="+mj-ea"/>
+          <a:cs typeface="+mj-cs"/>
           <a:sym typeface="Calibri"/>
         </a:defRPr>
-      </a:lvl3pPr>
-      <a:lvl4pPr marL="1737360" marR="0" indent="-365760" algn="l" defTabSz="914400" rtl="0" latinLnBrk="0">
+      </a:lvl2pPr>
+      <a:lvl3pPr marL="1234439" marR="0" indent="-320039" algn="l" defTabSz="914400" rtl="0" latinLnBrk="0">
         <a:lnSpc>
-          <a:spcPct val="100000"/>
+          <a:spcPct val="90000"/>
         </a:lnSpc>
         <a:spcBef>
-          <a:spcPts val="700"/>
-        </a:spcBef>
-        <a:spcAft>
-          <a:spcPts val="0"/>
-        </a:spcAft>
-        <a:buClrTx/>
-        <a:buSzPct val="100000"/>
-        <a:buFont typeface="Arial"/>
-        <a:buChar char="–"/>
-        <a:tabLst/>
-        <a:defRPr b="0" baseline="0" cap="none" i="0" spc="0" strike="noStrike" sz="3200" u="none">
-          <a:ln>
-            <a:noFill/>
-          </a:ln>
-          <a:solidFill>
-            <a:srgbClr val="000000"/>
-          </a:solidFill>
-          <a:uFillTx/>
-          <a:latin typeface="+mn-lt"/>
-          <a:ea typeface="+mn-ea"/>
-          <a:cs typeface="+mn-cs"/>
-          <a:sym typeface="Calibri"/>
-        </a:defRPr>
-      </a:lvl4pPr>
-      <a:lvl5pPr marL="2194560" marR="0" indent="-365760" algn="l" defTabSz="914400" rtl="0" latinLnBrk="0">
-        <a:lnSpc>
-          <a:spcPct val="100000"/>
-        </a:lnSpc>
-        <a:spcBef>
-          <a:spcPts val="700"/>
-        </a:spcBef>
-        <a:spcAft>
-          <a:spcPts val="0"/>
-        </a:spcAft>
-        <a:buClrTx/>
-        <a:buSzPct val="100000"/>
-        <a:buFont typeface="Arial"/>
-        <a:buChar char="»"/>
-        <a:tabLst/>
-        <a:defRPr b="0" baseline="0" cap="none" i="0" spc="0" strike="noStrike" sz="3200" u="none">
-          <a:ln>
-            <a:noFill/>
-          </a:ln>
-          <a:solidFill>
-            <a:srgbClr val="000000"/>
-          </a:solidFill>
-          <a:uFillTx/>
-          <a:latin typeface="+mn-lt"/>
-          <a:ea typeface="+mn-ea"/>
-          <a:cs typeface="+mn-cs"/>
-          <a:sym typeface="Calibri"/>
-        </a:defRPr>
-      </a:lvl5pPr>
-      <a:lvl6pPr marL="2651760" marR="0" indent="-365760" algn="l" defTabSz="914400" rtl="0" latinLnBrk="0">
-        <a:lnSpc>
-          <a:spcPct val="100000"/>
-        </a:lnSpc>
-        <a:spcBef>
-          <a:spcPts val="700"/>
+          <a:spcPts val="1000"/>
         </a:spcBef>
         <a:spcAft>
           <a:spcPts val="0"/>
@@ -2419,7 +2253,7 @@
         <a:buFont typeface="Arial"/>
         <a:buChar char="•"/>
         <a:tabLst/>
-        <a:defRPr b="0" baseline="0" cap="none" i="0" spc="0" strike="noStrike" sz="3200" u="none">
+        <a:defRPr b="0" baseline="0" cap="none" i="0" spc="0" strike="noStrike" sz="2800" u="none">
           <a:ln>
             <a:noFill/>
           </a:ln>
@@ -2427,18 +2261,18 @@
             <a:srgbClr val="000000"/>
           </a:solidFill>
           <a:uFillTx/>
-          <a:latin typeface="+mn-lt"/>
-          <a:ea typeface="+mn-ea"/>
-          <a:cs typeface="+mn-cs"/>
+          <a:latin typeface="+mj-lt"/>
+          <a:ea typeface="+mj-ea"/>
+          <a:cs typeface="+mj-cs"/>
           <a:sym typeface="Calibri"/>
         </a:defRPr>
-      </a:lvl6pPr>
-      <a:lvl7pPr marL="3108960" marR="0" indent="-365760" algn="l" defTabSz="914400" rtl="0" latinLnBrk="0">
+      </a:lvl3pPr>
+      <a:lvl4pPr marL="1727200" marR="0" indent="-355600" algn="l" defTabSz="914400" rtl="0" latinLnBrk="0">
         <a:lnSpc>
-          <a:spcPct val="100000"/>
+          <a:spcPct val="90000"/>
         </a:lnSpc>
         <a:spcBef>
-          <a:spcPts val="700"/>
+          <a:spcPts val="1000"/>
         </a:spcBef>
         <a:spcAft>
           <a:spcPts val="0"/>
@@ -2448,7 +2282,7 @@
         <a:buFont typeface="Arial"/>
         <a:buChar char="•"/>
         <a:tabLst/>
-        <a:defRPr b="0" baseline="0" cap="none" i="0" spc="0" strike="noStrike" sz="3200" u="none">
+        <a:defRPr b="0" baseline="0" cap="none" i="0" spc="0" strike="noStrike" sz="2800" u="none">
           <a:ln>
             <a:noFill/>
           </a:ln>
@@ -2456,18 +2290,18 @@
             <a:srgbClr val="000000"/>
           </a:solidFill>
           <a:uFillTx/>
-          <a:latin typeface="+mn-lt"/>
-          <a:ea typeface="+mn-ea"/>
-          <a:cs typeface="+mn-cs"/>
+          <a:latin typeface="+mj-lt"/>
+          <a:ea typeface="+mj-ea"/>
+          <a:cs typeface="+mj-cs"/>
           <a:sym typeface="Calibri"/>
         </a:defRPr>
-      </a:lvl7pPr>
-      <a:lvl8pPr marL="3566159" marR="0" indent="-365759" algn="l" defTabSz="914400" rtl="0" latinLnBrk="0">
+      </a:lvl4pPr>
+      <a:lvl5pPr marL="2184400" marR="0" indent="-355600" algn="l" defTabSz="914400" rtl="0" latinLnBrk="0">
         <a:lnSpc>
-          <a:spcPct val="100000"/>
+          <a:spcPct val="90000"/>
         </a:lnSpc>
         <a:spcBef>
-          <a:spcPts val="700"/>
+          <a:spcPts val="1000"/>
         </a:spcBef>
         <a:spcAft>
           <a:spcPts val="0"/>
@@ -2477,7 +2311,7 @@
         <a:buFont typeface="Arial"/>
         <a:buChar char="•"/>
         <a:tabLst/>
-        <a:defRPr b="0" baseline="0" cap="none" i="0" spc="0" strike="noStrike" sz="3200" u="none">
+        <a:defRPr b="0" baseline="0" cap="none" i="0" spc="0" strike="noStrike" sz="2800" u="none">
           <a:ln>
             <a:noFill/>
           </a:ln>
@@ -2485,18 +2319,18 @@
             <a:srgbClr val="000000"/>
           </a:solidFill>
           <a:uFillTx/>
-          <a:latin typeface="+mn-lt"/>
-          <a:ea typeface="+mn-ea"/>
-          <a:cs typeface="+mn-cs"/>
+          <a:latin typeface="+mj-lt"/>
+          <a:ea typeface="+mj-ea"/>
+          <a:cs typeface="+mj-cs"/>
           <a:sym typeface="Calibri"/>
         </a:defRPr>
-      </a:lvl8pPr>
-      <a:lvl9pPr marL="4023359" marR="0" indent="-365759" algn="l" defTabSz="914400" rtl="0" latinLnBrk="0">
+      </a:lvl5pPr>
+      <a:lvl6pPr marL="2641600" marR="0" indent="-355600" algn="l" defTabSz="914400" rtl="0" latinLnBrk="0">
         <a:lnSpc>
-          <a:spcPct val="100000"/>
+          <a:spcPct val="90000"/>
         </a:lnSpc>
         <a:spcBef>
-          <a:spcPts val="700"/>
+          <a:spcPts val="1000"/>
         </a:spcBef>
         <a:spcAft>
           <a:spcPts val="0"/>
@@ -2506,7 +2340,7 @@
         <a:buFont typeface="Arial"/>
         <a:buChar char="•"/>
         <a:tabLst/>
-        <a:defRPr b="0" baseline="0" cap="none" i="0" spc="0" strike="noStrike" sz="3200" u="none">
+        <a:defRPr b="0" baseline="0" cap="none" i="0" spc="0" strike="noStrike" sz="2800" u="none">
           <a:ln>
             <a:noFill/>
           </a:ln>
@@ -2514,9 +2348,96 @@
             <a:srgbClr val="000000"/>
           </a:solidFill>
           <a:uFillTx/>
-          <a:latin typeface="+mn-lt"/>
-          <a:ea typeface="+mn-ea"/>
-          <a:cs typeface="+mn-cs"/>
+          <a:latin typeface="+mj-lt"/>
+          <a:ea typeface="+mj-ea"/>
+          <a:cs typeface="+mj-cs"/>
+          <a:sym typeface="Calibri"/>
+        </a:defRPr>
+      </a:lvl6pPr>
+      <a:lvl7pPr marL="3098800" marR="0" indent="-355600" algn="l" defTabSz="914400" rtl="0" latinLnBrk="0">
+        <a:lnSpc>
+          <a:spcPct val="90000"/>
+        </a:lnSpc>
+        <a:spcBef>
+          <a:spcPts val="1000"/>
+        </a:spcBef>
+        <a:spcAft>
+          <a:spcPts val="0"/>
+        </a:spcAft>
+        <a:buClrTx/>
+        <a:buSzPct val="100000"/>
+        <a:buFont typeface="Arial"/>
+        <a:buChar char="•"/>
+        <a:tabLst/>
+        <a:defRPr b="0" baseline="0" cap="none" i="0" spc="0" strike="noStrike" sz="2800" u="none">
+          <a:ln>
+            <a:noFill/>
+          </a:ln>
+          <a:solidFill>
+            <a:srgbClr val="000000"/>
+          </a:solidFill>
+          <a:uFillTx/>
+          <a:latin typeface="+mj-lt"/>
+          <a:ea typeface="+mj-ea"/>
+          <a:cs typeface="+mj-cs"/>
+          <a:sym typeface="Calibri"/>
+        </a:defRPr>
+      </a:lvl7pPr>
+      <a:lvl8pPr marL="3556000" marR="0" indent="-355600" algn="l" defTabSz="914400" rtl="0" latinLnBrk="0">
+        <a:lnSpc>
+          <a:spcPct val="90000"/>
+        </a:lnSpc>
+        <a:spcBef>
+          <a:spcPts val="1000"/>
+        </a:spcBef>
+        <a:spcAft>
+          <a:spcPts val="0"/>
+        </a:spcAft>
+        <a:buClrTx/>
+        <a:buSzPct val="100000"/>
+        <a:buFont typeface="Arial"/>
+        <a:buChar char="•"/>
+        <a:tabLst/>
+        <a:defRPr b="0" baseline="0" cap="none" i="0" spc="0" strike="noStrike" sz="2800" u="none">
+          <a:ln>
+            <a:noFill/>
+          </a:ln>
+          <a:solidFill>
+            <a:srgbClr val="000000"/>
+          </a:solidFill>
+          <a:uFillTx/>
+          <a:latin typeface="+mj-lt"/>
+          <a:ea typeface="+mj-ea"/>
+          <a:cs typeface="+mj-cs"/>
+          <a:sym typeface="Calibri"/>
+        </a:defRPr>
+      </a:lvl8pPr>
+      <a:lvl9pPr marL="4013200" marR="0" indent="-355600" algn="l" defTabSz="914400" rtl="0" latinLnBrk="0">
+        <a:lnSpc>
+          <a:spcPct val="90000"/>
+        </a:lnSpc>
+        <a:spcBef>
+          <a:spcPts val="1000"/>
+        </a:spcBef>
+        <a:spcAft>
+          <a:spcPts val="0"/>
+        </a:spcAft>
+        <a:buClrTx/>
+        <a:buSzPct val="100000"/>
+        <a:buFont typeface="Arial"/>
+        <a:buChar char="•"/>
+        <a:tabLst/>
+        <a:defRPr b="0" baseline="0" cap="none" i="0" spc="0" strike="noStrike" sz="2800" u="none">
+          <a:ln>
+            <a:noFill/>
+          </a:ln>
+          <a:solidFill>
+            <a:srgbClr val="000000"/>
+          </a:solidFill>
+          <a:uFillTx/>
+          <a:latin typeface="+mj-lt"/>
+          <a:ea typeface="+mj-ea"/>
+          <a:cs typeface="+mj-cs"/>
           <a:sym typeface="Calibri"/>
         </a:defRPr>
       </a:lvl9pPr>
@@ -2807,52 +2728,115 @@
       </p:grpSpPr>
       <p:sp>
         <p:nvSpPr>
-          <p:cNvPr id="94" name="FeatureSelectionWithTrees"/>
-          <p:cNvSpPr txBox="1"/>
-          <p:nvPr>
-            <p:ph type="title"/>
-          </p:nvPr>
+          <p:cNvPr id="94" name="Rectangle 7"/>
+          <p:cNvSpPr/>
+          <p:nvPr/>
         </p:nvSpPr>
         <p:spPr>
-          <a:prstGeom prst="rect">
-            <a:avLst/>
-          </a:prstGeom>
+          <a:xfrm>
+            <a:off x="0" y="0"/>
+            <a:ext cx="12192000" cy="6858000"/>
+          </a:xfrm>
+          <a:prstGeom prst="rect">
+            <a:avLst/>
+          </a:prstGeom>
+          <a:solidFill>
+            <a:srgbClr val="FFFFFF"/>
+          </a:solidFill>
+          <a:ln w="12700">
+            <a:miter lim="400000"/>
+          </a:ln>
         </p:spPr>
         <p:txBody>
-          <a:bodyPr/>
+          <a:bodyPr lIns="45719" rIns="45719" anchor="ctr"/>
           <a:lstStyle/>
           <a:p>
-            <a:pPr/>
-            <a:r>
-              <a:t>FeatureSelectionWithTrees</a:t>
-            </a:r>
+            <a:pPr algn="ctr">
+              <a:defRPr>
+                <a:solidFill>
+                  <a:srgbClr val="FFFFFF"/>
+                </a:solidFill>
+              </a:defRPr>
+            </a:pPr>
           </a:p>
         </p:txBody>
       </p:sp>
       <p:sp>
         <p:nvSpPr>
-          <p:cNvPr id="95" name="Body"/>
+          <p:cNvPr id="95" name="Rectangle 9"/>
+          <p:cNvSpPr/>
+          <p:nvPr/>
+        </p:nvSpPr>
+        <p:spPr>
+          <a:xfrm>
+            <a:off x="0" y="0"/>
+            <a:ext cx="2013557" cy="6858000"/>
+          </a:xfrm>
+          <a:prstGeom prst="rect">
+            <a:avLst/>
+          </a:prstGeom>
+          <a:solidFill>
+            <a:srgbClr val="7F7F7F"/>
+          </a:solidFill>
+          <a:ln w="12700">
+            <a:miter lim="400000"/>
+          </a:ln>
+        </p:spPr>
+        <p:txBody>
+          <a:bodyPr lIns="45719" rIns="45719" anchor="ctr"/>
+          <a:lstStyle/>
+          <a:p>
+            <a:pPr algn="ctr">
+              <a:defRPr>
+                <a:solidFill>
+                  <a:srgbClr val="FFFFFF"/>
+                </a:solidFill>
+              </a:defRPr>
+            </a:pPr>
+          </a:p>
+        </p:txBody>
+      </p:sp>
+      <p:sp>
+        <p:nvSpPr>
+          <p:cNvPr id="96" name="The most important feature is LotArea, Lot size in square feet."/>
           <p:cNvSpPr txBox="1"/>
           <p:nvPr>
-            <p:ph type="body" idx="1"/>
+            <p:ph type="body" sz="quarter" idx="1"/>
           </p:nvPr>
         </p:nvSpPr>
         <p:spPr>
+          <a:xfrm>
+            <a:off x="2408639" y="663986"/>
+            <a:ext cx="5069324" cy="983254"/>
+          </a:xfrm>
           <a:prstGeom prst="rect">
             <a:avLst/>
           </a:prstGeom>
         </p:spPr>
         <p:txBody>
-          <a:bodyPr/>
-          <a:lstStyle/>
+          <a:bodyPr lIns="45718" tIns="45718" rIns="45718" bIns="45718"/>
+          <a:lstStyle>
+            <a:lvl1pPr marL="137160" indent="-137160" defTabSz="365758">
+              <a:lnSpc>
+                <a:spcPct val="100000"/>
+              </a:lnSpc>
+              <a:spcBef>
+                <a:spcPts val="300"/>
+              </a:spcBef>
+              <a:defRPr sz="1200"/>
+            </a:lvl1pPr>
+          </a:lstStyle>
           <a:p>
             <a:pPr/>
+            <a:r>
+              <a:t>The most important feature is LotArea, Lot size in square feet.</a:t>
+            </a:r>
           </a:p>
         </p:txBody>
       </p:sp>
       <p:pic>
         <p:nvPicPr>
-          <p:cNvPr id="96" name="Image" descr="Image"/>
+          <p:cNvPr id="97" name="Image" descr="Image"/>
           <p:cNvPicPr>
             <a:picLocks noChangeAspect="1"/>
           </p:cNvPicPr>
@@ -2868,8 +2852,66 @@
         </p:blipFill>
         <p:spPr>
           <a:xfrm>
-            <a:off x="577850" y="1473200"/>
-            <a:ext cx="7327900" cy="4543575"/>
+            <a:off x="2055734" y="1473512"/>
+            <a:ext cx="10410436" cy="4266576"/>
+          </a:xfrm>
+          <a:prstGeom prst="rect">
+            <a:avLst/>
+          </a:prstGeom>
+          <a:ln w="12700">
+            <a:miter lim="400000"/>
+          </a:ln>
+        </p:spPr>
+      </p:pic>
+      <p:pic>
+        <p:nvPicPr>
+          <p:cNvPr id="98" name="Image" descr="Image"/>
+          <p:cNvPicPr>
+            <a:picLocks noChangeAspect="1"/>
+          </p:cNvPicPr>
+          <p:nvPr/>
+        </p:nvPicPr>
+        <p:blipFill>
+          <a:blip r:embed="rId3">
+            <a:extLst/>
+          </a:blip>
+          <a:stretch>
+            <a:fillRect/>
+          </a:stretch>
+        </p:blipFill>
+        <p:spPr>
+          <a:xfrm>
+            <a:off x="8730834" y="2209625"/>
+            <a:ext cx="3223546" cy="2794350"/>
+          </a:xfrm>
+          <a:prstGeom prst="rect">
+            <a:avLst/>
+          </a:prstGeom>
+          <a:ln w="12700">
+            <a:miter lim="400000"/>
+          </a:ln>
+        </p:spPr>
+      </p:pic>
+      <p:pic>
+        <p:nvPicPr>
+          <p:cNvPr id="99" name="Image" descr="Image"/>
+          <p:cNvPicPr>
+            <a:picLocks noChangeAspect="1"/>
+          </p:cNvPicPr>
+          <p:nvPr/>
+        </p:nvPicPr>
+        <p:blipFill>
+          <a:blip r:embed="rId4">
+            <a:extLst/>
+          </a:blip>
+          <a:stretch>
+            <a:fillRect/>
+          </a:stretch>
+        </p:blipFill>
+        <p:spPr>
+          <a:xfrm>
+            <a:off x="5959114" y="2394854"/>
+            <a:ext cx="2603675" cy="1754409"/>
           </a:xfrm>
           <a:prstGeom prst="rect">
             <a:avLst/>
@@ -2907,66 +2949,129 @@
       </p:grpSpPr>
       <p:sp>
         <p:nvSpPr>
-          <p:cNvPr id="98" name="FeatureSelectionWithTrees"/>
+          <p:cNvPr id="101" name="Rectangle 7"/>
+          <p:cNvSpPr/>
+          <p:nvPr/>
+        </p:nvSpPr>
+        <p:spPr>
+          <a:xfrm>
+            <a:off x="0" y="0"/>
+            <a:ext cx="12192000" cy="6858000"/>
+          </a:xfrm>
+          <a:prstGeom prst="rect">
+            <a:avLst/>
+          </a:prstGeom>
+          <a:solidFill>
+            <a:srgbClr val="FFFFFF"/>
+          </a:solidFill>
+          <a:ln w="12700">
+            <a:miter lim="400000"/>
+          </a:ln>
+        </p:spPr>
+        <p:txBody>
+          <a:bodyPr lIns="45719" rIns="45719" anchor="ctr"/>
+          <a:lstStyle/>
+          <a:p>
+            <a:pPr algn="ctr">
+              <a:defRPr>
+                <a:solidFill>
+                  <a:srgbClr val="FFFFFF"/>
+                </a:solidFill>
+              </a:defRPr>
+            </a:pPr>
+          </a:p>
+        </p:txBody>
+      </p:sp>
+      <p:sp>
+        <p:nvSpPr>
+          <p:cNvPr id="102" name="Rectangle 9"/>
+          <p:cNvSpPr/>
+          <p:nvPr/>
+        </p:nvSpPr>
+        <p:spPr>
+          <a:xfrm>
+            <a:off x="0" y="0"/>
+            <a:ext cx="2013557" cy="6858000"/>
+          </a:xfrm>
+          <a:prstGeom prst="rect">
+            <a:avLst/>
+          </a:prstGeom>
+          <a:solidFill>
+            <a:srgbClr val="7F7F7F"/>
+          </a:solidFill>
+          <a:ln w="12700">
+            <a:miter lim="400000"/>
+          </a:ln>
+        </p:spPr>
+        <p:txBody>
+          <a:bodyPr lIns="45719" rIns="45719" anchor="ctr"/>
+          <a:lstStyle/>
+          <a:p>
+            <a:pPr algn="ctr">
+              <a:defRPr>
+                <a:solidFill>
+                  <a:srgbClr val="FFFFFF"/>
+                </a:solidFill>
+              </a:defRPr>
+            </a:pPr>
+          </a:p>
+        </p:txBody>
+      </p:sp>
+      <p:sp>
+        <p:nvSpPr>
+          <p:cNvPr id="103" name="Title 1"/>
           <p:cNvSpPr txBox="1"/>
           <p:nvPr>
             <p:ph type="title"/>
           </p:nvPr>
         </p:nvSpPr>
         <p:spPr>
-          <a:prstGeom prst="rect">
-            <a:avLst/>
-          </a:prstGeom>
-        </p:spPr>
-        <p:txBody>
-          <a:bodyPr/>
-          <a:lstStyle/>
-          <a:p>
-            <a:pPr/>
-            <a:r>
-              <a:t>FeatureSelectionWithTrees</a:t>
-            </a:r>
-          </a:p>
-        </p:txBody>
-      </p:sp>
-      <p:sp>
-        <p:nvSpPr>
-          <p:cNvPr id="99" name="The most important feature is LotArea, Lot size in square feet."/>
-          <p:cNvSpPr txBox="1"/>
-          <p:nvPr>
-            <p:ph type="body" sz="quarter" idx="1"/>
-          </p:nvPr>
-        </p:nvSpPr>
-        <p:spPr>
           <a:xfrm>
-            <a:off x="1964140" y="6026959"/>
-            <a:ext cx="5215720" cy="265256"/>
+            <a:off x="1043153" y="2471126"/>
+            <a:ext cx="1946209" cy="1915748"/>
           </a:xfrm>
           <a:prstGeom prst="rect">
             <a:avLst/>
           </a:prstGeom>
+          <a:solidFill>
+            <a:srgbClr val="262626"/>
+          </a:solidFill>
+          <a:ln w="174625">
+            <a:solidFill>
+              <a:srgbClr val="262626"/>
+            </a:solidFill>
+            <a:round/>
+          </a:ln>
         </p:spPr>
         <p:txBody>
           <a:bodyPr/>
           <a:lstStyle>
-            <a:lvl1pPr marL="137160" indent="-137160" defTabSz="365760">
-              <a:spcBef>
-                <a:spcPts val="300"/>
-              </a:spcBef>
-              <a:defRPr sz="1280"/>
+            <a:lvl1pPr algn="ctr" defTabSz="832104">
+              <a:lnSpc>
+                <a:spcPct val="100000"/>
+              </a:lnSpc>
+              <a:defRPr sz="4004">
+                <a:solidFill>
+                  <a:srgbClr val="FFFFFF"/>
+                </a:solidFill>
+                <a:latin typeface="+mj-lt"/>
+                <a:ea typeface="+mj-ea"/>
+                <a:cs typeface="+mj-cs"/>
+                <a:sym typeface="Calibri"/>
+              </a:defRPr>
             </a:lvl1pPr>
           </a:lstStyle>
           <a:p>
             <a:pPr/>
             <a:r>
-              <a:t>The most important feature is LotArea, Lot size in square feet.</a:t>
+              <a:t>Fit into models</a:t>
             </a:r>
           </a:p>
         </p:txBody>
       </p:sp>
       <p:pic>
         <p:nvPicPr>
-          <p:cNvPr id="100" name="Image" descr="Image"/>
+          <p:cNvPr id="104" name="Image" descr="Image"/>
           <p:cNvPicPr>
             <a:picLocks noChangeAspect="1"/>
           </p:cNvPicPr>
@@ -2976,14 +3081,15 @@
           <a:blip r:embed="rId2">
             <a:extLst/>
           </a:blip>
+          <a:srcRect l="0" t="0" r="0" b="0"/>
           <a:stretch>
             <a:fillRect/>
           </a:stretch>
         </p:blipFill>
         <p:spPr>
           <a:xfrm>
-            <a:off x="-1" y="2140402"/>
-            <a:ext cx="9144001" cy="3747542"/>
+            <a:off x="6770400" y="3498944"/>
+            <a:ext cx="4968609" cy="3222613"/>
           </a:xfrm>
           <a:prstGeom prst="rect">
             <a:avLst/>
@@ -2995,7 +3101,7 @@
       </p:pic>
       <p:pic>
         <p:nvPicPr>
-          <p:cNvPr id="101" name="Image" descr="Image"/>
+          <p:cNvPr id="105" name="Image" descr="Image"/>
           <p:cNvPicPr>
             <a:picLocks noChangeAspect="1"/>
           </p:cNvPicPr>
@@ -3011,37 +3117,8 @@
         </p:blipFill>
         <p:spPr>
           <a:xfrm>
-            <a:off x="5212935" y="2466008"/>
-            <a:ext cx="3223544" cy="2794347"/>
-          </a:xfrm>
-          <a:prstGeom prst="rect">
-            <a:avLst/>
-          </a:prstGeom>
-          <a:ln w="12700">
-            <a:miter lim="400000"/>
-          </a:ln>
-        </p:spPr>
-      </p:pic>
-      <p:pic>
-        <p:nvPicPr>
-          <p:cNvPr id="102" name="Image" descr="Image"/>
-          <p:cNvPicPr>
-            <a:picLocks noChangeAspect="1"/>
-          </p:cNvPicPr>
-          <p:nvPr/>
-        </p:nvPicPr>
-        <p:blipFill>
-          <a:blip r:embed="rId4">
-            <a:extLst/>
-          </a:blip>
-          <a:stretch>
-            <a:fillRect/>
-          </a:stretch>
-        </p:blipFill>
-        <p:spPr>
-          <a:xfrm>
-            <a:off x="2622053" y="2382155"/>
-            <a:ext cx="2603672" cy="1754406"/>
+            <a:off x="3130622" y="90539"/>
+            <a:ext cx="5383448" cy="3449276"/>
           </a:xfrm>
           <a:prstGeom prst="rect">
             <a:avLst/>
@@ -3079,31 +3156,129 @@
       </p:grpSpPr>
       <p:sp>
         <p:nvSpPr>
-          <p:cNvPr id="104" name="Title 1"/>
+          <p:cNvPr id="107" name="Rectangle 7"/>
+          <p:cNvSpPr/>
+          <p:nvPr/>
+        </p:nvSpPr>
+        <p:spPr>
+          <a:xfrm>
+            <a:off x="0" y="0"/>
+            <a:ext cx="12192000" cy="6858000"/>
+          </a:xfrm>
+          <a:prstGeom prst="rect">
+            <a:avLst/>
+          </a:prstGeom>
+          <a:solidFill>
+            <a:srgbClr val="FFFFFF"/>
+          </a:solidFill>
+          <a:ln w="12700">
+            <a:miter lim="400000"/>
+          </a:ln>
+        </p:spPr>
+        <p:txBody>
+          <a:bodyPr lIns="45719" rIns="45719" anchor="ctr"/>
+          <a:lstStyle/>
+          <a:p>
+            <a:pPr algn="ctr">
+              <a:defRPr>
+                <a:solidFill>
+                  <a:srgbClr val="FFFFFF"/>
+                </a:solidFill>
+              </a:defRPr>
+            </a:pPr>
+          </a:p>
+        </p:txBody>
+      </p:sp>
+      <p:sp>
+        <p:nvSpPr>
+          <p:cNvPr id="108" name="Rectangle 9"/>
+          <p:cNvSpPr/>
+          <p:nvPr/>
+        </p:nvSpPr>
+        <p:spPr>
+          <a:xfrm>
+            <a:off x="0" y="0"/>
+            <a:ext cx="2013557" cy="6858000"/>
+          </a:xfrm>
+          <a:prstGeom prst="rect">
+            <a:avLst/>
+          </a:prstGeom>
+          <a:solidFill>
+            <a:srgbClr val="7F7F7F"/>
+          </a:solidFill>
+          <a:ln w="12700">
+            <a:miter lim="400000"/>
+          </a:ln>
+        </p:spPr>
+        <p:txBody>
+          <a:bodyPr lIns="45719" rIns="45719" anchor="ctr"/>
+          <a:lstStyle/>
+          <a:p>
+            <a:pPr algn="ctr">
+              <a:defRPr>
+                <a:solidFill>
+                  <a:srgbClr val="FFFFFF"/>
+                </a:solidFill>
+              </a:defRPr>
+            </a:pPr>
+          </a:p>
+        </p:txBody>
+      </p:sp>
+      <p:sp>
+        <p:nvSpPr>
+          <p:cNvPr id="109" name="Title 1"/>
           <p:cNvSpPr txBox="1"/>
           <p:nvPr>
             <p:ph type="title"/>
           </p:nvPr>
         </p:nvSpPr>
         <p:spPr>
-          <a:prstGeom prst="rect">
-            <a:avLst/>
-          </a:prstGeom>
+          <a:xfrm>
+            <a:off x="1043153" y="2471126"/>
+            <a:ext cx="1946209" cy="1915748"/>
+          </a:xfrm>
+          <a:prstGeom prst="rect">
+            <a:avLst/>
+          </a:prstGeom>
+          <a:solidFill>
+            <a:srgbClr val="262626"/>
+          </a:solidFill>
+          <a:ln w="174625">
+            <a:solidFill>
+              <a:srgbClr val="262626"/>
+            </a:solidFill>
+            <a:round/>
+          </a:ln>
         </p:spPr>
         <p:txBody>
           <a:bodyPr/>
-          <a:lstStyle/>
+          <a:lstStyle>
+            <a:lvl1pPr algn="ctr" defTabSz="786384">
+              <a:lnSpc>
+                <a:spcPct val="100000"/>
+              </a:lnSpc>
+              <a:defRPr sz="3784">
+                <a:solidFill>
+                  <a:srgbClr val="FFFFFF"/>
+                </a:solidFill>
+                <a:latin typeface="+mj-lt"/>
+                <a:ea typeface="+mj-ea"/>
+                <a:cs typeface="+mj-cs"/>
+                <a:sym typeface="Calibri"/>
+              </a:defRPr>
+            </a:lvl1pPr>
+          </a:lstStyle>
           <a:p>
             <a:pPr/>
             <a:r>
-              <a:t>Fit into models</a:t>
+              <a:t>Remove outliers</a:t>
             </a:r>
           </a:p>
         </p:txBody>
       </p:sp>
       <p:pic>
         <p:nvPicPr>
-          <p:cNvPr id="105" name="Image" descr="Image"/>
+          <p:cNvPr id="110" name="Picture 2" descr="Picture 2"/>
           <p:cNvPicPr>
             <a:picLocks noChangeAspect="1"/>
           </p:cNvPicPr>
@@ -3119,8 +3294,8 @@
         </p:blipFill>
         <p:spPr>
           <a:xfrm>
-            <a:off x="4707409" y="2141644"/>
-            <a:ext cx="4409809" cy="2861876"/>
+            <a:off x="3675857" y="570012"/>
+            <a:ext cx="4239244" cy="2856521"/>
           </a:xfrm>
           <a:prstGeom prst="rect">
             <a:avLst/>
@@ -3132,7 +3307,7 @@
       </p:pic>
       <p:pic>
         <p:nvPicPr>
-          <p:cNvPr id="106" name="Image" descr="Image"/>
+          <p:cNvPr id="111" name="Picture 3" descr="Picture 3"/>
           <p:cNvPicPr>
             <a:picLocks noChangeAspect="1"/>
           </p:cNvPicPr>
@@ -3148,8 +3323,66 @@
         </p:blipFill>
         <p:spPr>
           <a:xfrm>
-            <a:off x="-118725" y="2066358"/>
-            <a:ext cx="4975596" cy="3187957"/>
+            <a:off x="3601599" y="3523560"/>
+            <a:ext cx="4387760" cy="2959792"/>
+          </a:xfrm>
+          <a:prstGeom prst="rect">
+            <a:avLst/>
+          </a:prstGeom>
+          <a:ln w="12700">
+            <a:miter lim="400000"/>
+          </a:ln>
+        </p:spPr>
+      </p:pic>
+      <p:pic>
+        <p:nvPicPr>
+          <p:cNvPr id="112" name="Image" descr="Image"/>
+          <p:cNvPicPr>
+            <a:picLocks noChangeAspect="1"/>
+          </p:cNvPicPr>
+          <p:nvPr/>
+        </p:nvPicPr>
+        <p:blipFill>
+          <a:blip r:embed="rId4">
+            <a:extLst/>
+          </a:blip>
+          <a:stretch>
+            <a:fillRect/>
+          </a:stretch>
+        </p:blipFill>
+        <p:spPr>
+          <a:xfrm>
+            <a:off x="7688598" y="733180"/>
+            <a:ext cx="4159599" cy="2707985"/>
+          </a:xfrm>
+          <a:prstGeom prst="rect">
+            <a:avLst/>
+          </a:prstGeom>
+          <a:ln w="12700">
+            <a:miter lim="400000"/>
+          </a:ln>
+        </p:spPr>
+      </p:pic>
+      <p:pic>
+        <p:nvPicPr>
+          <p:cNvPr id="113" name="Image" descr="Image"/>
+          <p:cNvPicPr>
+            <a:picLocks noChangeAspect="1"/>
+          </p:cNvPicPr>
+          <p:nvPr/>
+        </p:nvPicPr>
+        <p:blipFill>
+          <a:blip r:embed="rId5">
+            <a:extLst/>
+          </a:blip>
+          <a:stretch>
+            <a:fillRect/>
+          </a:stretch>
+        </p:blipFill>
+        <p:spPr>
+          <a:xfrm>
+            <a:off x="7696347" y="3823012"/>
+            <a:ext cx="4144101" cy="2691087"/>
           </a:xfrm>
           <a:prstGeom prst="rect">
             <a:avLst/>
@@ -3187,20 +3420,118 @@
       </p:grpSpPr>
       <p:sp>
         <p:nvSpPr>
-          <p:cNvPr id="108" name="Title 1"/>
+          <p:cNvPr id="115" name="Rectangle 7"/>
+          <p:cNvSpPr/>
+          <p:nvPr/>
+        </p:nvSpPr>
+        <p:spPr>
+          <a:xfrm>
+            <a:off x="0" y="0"/>
+            <a:ext cx="12192000" cy="6858000"/>
+          </a:xfrm>
+          <a:prstGeom prst="rect">
+            <a:avLst/>
+          </a:prstGeom>
+          <a:solidFill>
+            <a:srgbClr val="FFFFFF"/>
+          </a:solidFill>
+          <a:ln w="12700">
+            <a:miter lim="400000"/>
+          </a:ln>
+        </p:spPr>
+        <p:txBody>
+          <a:bodyPr lIns="45719" rIns="45719" anchor="ctr"/>
+          <a:lstStyle/>
+          <a:p>
+            <a:pPr algn="ctr">
+              <a:defRPr>
+                <a:solidFill>
+                  <a:srgbClr val="FFFFFF"/>
+                </a:solidFill>
+              </a:defRPr>
+            </a:pPr>
+          </a:p>
+        </p:txBody>
+      </p:sp>
+      <p:sp>
+        <p:nvSpPr>
+          <p:cNvPr id="116" name="Rectangle 9"/>
+          <p:cNvSpPr/>
+          <p:nvPr/>
+        </p:nvSpPr>
+        <p:spPr>
+          <a:xfrm>
+            <a:off x="0" y="0"/>
+            <a:ext cx="2013557" cy="6858000"/>
+          </a:xfrm>
+          <a:prstGeom prst="rect">
+            <a:avLst/>
+          </a:prstGeom>
+          <a:solidFill>
+            <a:srgbClr val="7F7F7F"/>
+          </a:solidFill>
+          <a:ln w="12700">
+            <a:miter lim="400000"/>
+          </a:ln>
+        </p:spPr>
+        <p:txBody>
+          <a:bodyPr lIns="45719" rIns="45719" anchor="ctr"/>
+          <a:lstStyle/>
+          <a:p>
+            <a:pPr algn="ctr">
+              <a:defRPr>
+                <a:solidFill>
+                  <a:srgbClr val="FFFFFF"/>
+                </a:solidFill>
+              </a:defRPr>
+            </a:pPr>
+          </a:p>
+        </p:txBody>
+      </p:sp>
+      <p:sp>
+        <p:nvSpPr>
+          <p:cNvPr id="117" name="Title 1"/>
           <p:cNvSpPr txBox="1"/>
           <p:nvPr>
             <p:ph type="title"/>
           </p:nvPr>
         </p:nvSpPr>
         <p:spPr>
-          <a:prstGeom prst="rect">
-            <a:avLst/>
-          </a:prstGeom>
+          <a:xfrm>
+            <a:off x="1043153" y="2471126"/>
+            <a:ext cx="1946209" cy="1915748"/>
+          </a:xfrm>
+          <a:prstGeom prst="rect">
+            <a:avLst/>
+          </a:prstGeom>
+          <a:solidFill>
+            <a:srgbClr val="262626"/>
+          </a:solidFill>
+          <a:ln w="174625">
+            <a:solidFill>
+              <a:srgbClr val="262626"/>
+            </a:solidFill>
+            <a:round/>
+          </a:ln>
         </p:spPr>
         <p:txBody>
           <a:bodyPr/>
-          <a:lstStyle/>
+          <a:lstStyle>
+            <a:lvl1pPr algn="ctr" defTabSz="786384">
+              <a:lnSpc>
+                <a:spcPct val="100000"/>
+              </a:lnSpc>
+              <a:defRPr sz="3784">
+                <a:solidFill>
+                  <a:srgbClr val="FFFFFF"/>
+                </a:solidFill>
+                <a:latin typeface="+mj-lt"/>
+                <a:ea typeface="+mj-ea"/>
+                <a:cs typeface="+mj-cs"/>
+                <a:sym typeface="Calibri"/>
+              </a:defRPr>
+            </a:lvl1pPr>
+          </a:lstStyle>
           <a:p>
             <a:pPr/>
             <a:r>
@@ -3211,7 +3542,7 @@
       </p:sp>
       <p:pic>
         <p:nvPicPr>
-          <p:cNvPr id="109" name="Picture 2" descr="Picture 2"/>
+          <p:cNvPr id="118" name="Picture 2" descr="Picture 2"/>
           <p:cNvPicPr>
             <a:picLocks noChangeAspect="1"/>
           </p:cNvPicPr>
@@ -3227,8 +3558,8 @@
         </p:blipFill>
         <p:spPr>
           <a:xfrm>
-            <a:off x="386557" y="1078012"/>
-            <a:ext cx="4239243" cy="2856521"/>
+            <a:off x="3607018" y="977899"/>
+            <a:ext cx="7263412" cy="4495802"/>
           </a:xfrm>
           <a:prstGeom prst="rect">
             <a:avLst/>
@@ -3238,93 +3569,44 @@
           </a:ln>
         </p:spPr>
       </p:pic>
-      <p:pic>
-        <p:nvPicPr>
-          <p:cNvPr id="110" name="Picture 3" descr="Picture 3"/>
-          <p:cNvPicPr>
-            <a:picLocks noChangeAspect="1"/>
-          </p:cNvPicPr>
-          <p:nvPr/>
-        </p:nvPicPr>
-        <p:blipFill>
-          <a:blip r:embed="rId3">
-            <a:extLst/>
-          </a:blip>
-          <a:stretch>
-            <a:fillRect/>
-          </a:stretch>
-        </p:blipFill>
+      <p:sp>
+        <p:nvSpPr>
+          <p:cNvPr id="119" name="LotFrontage: Linear feet of street connected to property"/>
+          <p:cNvSpPr txBox="1"/>
+          <p:nvPr>
+            <p:ph type="body" sz="quarter" idx="1"/>
+          </p:nvPr>
+        </p:nvSpPr>
         <p:spPr>
           <a:xfrm>
-            <a:off x="228600" y="3726760"/>
-            <a:ext cx="4387758" cy="2959790"/>
+            <a:off x="4539562" y="5836590"/>
+            <a:ext cx="5398324" cy="302273"/>
           </a:xfrm>
           <a:prstGeom prst="rect">
             <a:avLst/>
           </a:prstGeom>
-          <a:ln w="12700">
-            <a:miter lim="400000"/>
-          </a:ln>
-        </p:spPr>
-      </p:pic>
-      <p:pic>
-        <p:nvPicPr>
-          <p:cNvPr id="111" name="Image" descr="Image"/>
-          <p:cNvPicPr>
-            <a:picLocks noChangeAspect="1"/>
-          </p:cNvPicPr>
-          <p:nvPr/>
-        </p:nvPicPr>
-        <p:blipFill>
-          <a:blip r:embed="rId4">
-            <a:extLst/>
-          </a:blip>
-          <a:stretch>
-            <a:fillRect/>
-          </a:stretch>
-        </p:blipFill>
-        <p:spPr>
-          <a:xfrm>
-            <a:off x="4780298" y="1314304"/>
-            <a:ext cx="4159597" cy="2707983"/>
-          </a:xfrm>
-          <a:prstGeom prst="rect">
-            <a:avLst/>
-          </a:prstGeom>
-          <a:ln w="12700">
-            <a:miter lim="400000"/>
-          </a:ln>
-        </p:spPr>
-      </p:pic>
-      <p:pic>
-        <p:nvPicPr>
-          <p:cNvPr id="112" name="Image" descr="Image"/>
-          <p:cNvPicPr>
-            <a:picLocks noChangeAspect="1"/>
-          </p:cNvPicPr>
-          <p:nvPr/>
-        </p:nvPicPr>
-        <p:blipFill>
-          <a:blip r:embed="rId5">
-            <a:extLst/>
-          </a:blip>
-          <a:stretch>
-            <a:fillRect/>
-          </a:stretch>
-        </p:blipFill>
-        <p:spPr>
-          <a:xfrm>
-            <a:off x="4717844" y="4015454"/>
-            <a:ext cx="4144099" cy="2691085"/>
-          </a:xfrm>
-          <a:prstGeom prst="rect">
-            <a:avLst/>
-          </a:prstGeom>
-          <a:ln w="12700">
-            <a:miter lim="400000"/>
-          </a:ln>
-        </p:spPr>
-      </p:pic>
+        </p:spPr>
+        <p:txBody>
+          <a:bodyPr lIns="45718" tIns="45718" rIns="45718" bIns="45718"/>
+          <a:lstStyle>
+            <a:lvl1pPr marL="164592" indent="-164592" defTabSz="438911">
+              <a:lnSpc>
+                <a:spcPct val="100000"/>
+              </a:lnSpc>
+              <a:spcBef>
+                <a:spcPts val="300"/>
+              </a:spcBef>
+              <a:defRPr sz="1536"/>
+            </a:lvl1pPr>
+          </a:lstStyle>
+          <a:p>
+            <a:pPr/>
+            <a:r>
+              <a:t>LotFrontage: Linear feet of street connected to property</a:t>
+            </a:r>
+          </a:p>
+        </p:txBody>
+      </p:sp>
     </p:spTree>
   </p:cSld>
   <p:clrMapOvr>
@@ -3353,56 +3635,77 @@
       </p:grpSpPr>
       <p:sp>
         <p:nvSpPr>
-          <p:cNvPr id="114" name="Title 1"/>
-          <p:cNvSpPr txBox="1"/>
-          <p:nvPr>
-            <p:ph type="title"/>
-          </p:nvPr>
+          <p:cNvPr id="121" name="Rectangle 7"/>
+          <p:cNvSpPr/>
+          <p:nvPr/>
         </p:nvSpPr>
         <p:spPr>
-          <a:prstGeom prst="rect">
-            <a:avLst/>
-          </a:prstGeom>
+          <a:xfrm>
+            <a:off x="0" y="0"/>
+            <a:ext cx="12192000" cy="6858000"/>
+          </a:xfrm>
+          <a:prstGeom prst="rect">
+            <a:avLst/>
+          </a:prstGeom>
+          <a:solidFill>
+            <a:srgbClr val="FFFFFF"/>
+          </a:solidFill>
+          <a:ln w="12700">
+            <a:miter lim="400000"/>
+          </a:ln>
         </p:spPr>
         <p:txBody>
-          <a:bodyPr/>
+          <a:bodyPr lIns="45719" rIns="45719" anchor="ctr"/>
           <a:lstStyle/>
           <a:p>
-            <a:pPr/>
-            <a:r>
-              <a:t>Remove outliers</a:t>
-            </a:r>
+            <a:pPr algn="ctr">
+              <a:defRPr>
+                <a:solidFill>
+                  <a:srgbClr val="FFFFFF"/>
+                </a:solidFill>
+              </a:defRPr>
+            </a:pPr>
           </a:p>
         </p:txBody>
       </p:sp>
       <p:sp>
         <p:nvSpPr>
-          <p:cNvPr id="115" name="Content Placeholder 2"/>
-          <p:cNvSpPr txBox="1"/>
-          <p:nvPr>
-            <p:ph type="body" idx="1"/>
-          </p:nvPr>
+          <p:cNvPr id="122" name="Rectangle 9"/>
+          <p:cNvSpPr/>
+          <p:nvPr/>
         </p:nvSpPr>
         <p:spPr>
           <a:xfrm>
-            <a:off x="457200" y="1600200"/>
-            <a:ext cx="8229600" cy="4525963"/>
+            <a:off x="0" y="0"/>
+            <a:ext cx="2013557" cy="6858000"/>
           </a:xfrm>
           <a:prstGeom prst="rect">
             <a:avLst/>
           </a:prstGeom>
+          <a:solidFill>
+            <a:srgbClr val="7F7F7F"/>
+          </a:solidFill>
+          <a:ln w="12700">
+            <a:miter lim="400000"/>
+          </a:ln>
         </p:spPr>
         <p:txBody>
-          <a:bodyPr/>
+          <a:bodyPr lIns="45719" rIns="45719" anchor="ctr"/>
           <a:lstStyle/>
           <a:p>
-            <a:pPr/>
+            <a:pPr algn="ctr">
+              <a:defRPr>
+                <a:solidFill>
+                  <a:srgbClr val="FFFFFF"/>
+                </a:solidFill>
+              </a:defRPr>
+            </a:pPr>
           </a:p>
         </p:txBody>
       </p:sp>
       <p:pic>
         <p:nvPicPr>
-          <p:cNvPr id="116" name="Picture 2" descr="Picture 2"/>
+          <p:cNvPr id="123" name="Image" descr="Image"/>
           <p:cNvPicPr>
             <a:picLocks noChangeAspect="1"/>
           </p:cNvPicPr>
@@ -3418,8 +3721,8 @@
         </p:blipFill>
         <p:spPr>
           <a:xfrm>
-            <a:off x="794322" y="1823827"/>
-            <a:ext cx="7263411" cy="4495801"/>
+            <a:off x="3448050" y="1007069"/>
+            <a:ext cx="7889341" cy="5045324"/>
           </a:xfrm>
           <a:prstGeom prst="rect">
             <a:avLst/>
@@ -3429,6 +3732,51 @@
           </a:ln>
         </p:spPr>
       </p:pic>
+      <p:sp>
+        <p:nvSpPr>
+          <p:cNvPr id="124" name="Title 1"/>
+          <p:cNvSpPr txBox="1"/>
+          <p:nvPr>
+            <p:ph type="title"/>
+          </p:nvPr>
+        </p:nvSpPr>
+        <p:spPr>
+          <a:xfrm>
+            <a:off x="1043153" y="2471126"/>
+            <a:ext cx="1946209" cy="1915748"/>
+          </a:xfrm>
+          <a:prstGeom prst="rect">
+            <a:avLst/>
+          </a:prstGeom>
+          <a:solidFill>
+            <a:srgbClr val="262626"/>
+          </a:solidFill>
+          <a:ln w="174625">
+            <a:solidFill>
+              <a:srgbClr val="262626"/>
+            </a:solidFill>
+            <a:round/>
+          </a:ln>
+        </p:spPr>
+        <p:txBody>
+          <a:bodyPr/>
+          <a:lstStyle>
+            <a:lvl1pPr algn="ctr">
+              <a:defRPr sz="2600">
+                <a:solidFill>
+                  <a:srgbClr val="FFFFFF"/>
+                </a:solidFill>
+              </a:defRPr>
+            </a:lvl1pPr>
+          </a:lstStyle>
+          <a:p>
+            <a:pPr/>
+            <a:r>
+              <a:t>Remove outliers</a:t>
+            </a:r>
+          </a:p>
+        </p:txBody>
+      </p:sp>
     </p:spTree>
   </p:cSld>
   <p:clrMapOvr>
@@ -3457,56 +3805,129 @@
       </p:grpSpPr>
       <p:sp>
         <p:nvSpPr>
-          <p:cNvPr id="118" name="Title 1"/>
+          <p:cNvPr id="126" name="Rectangle 7"/>
+          <p:cNvSpPr/>
+          <p:nvPr/>
+        </p:nvSpPr>
+        <p:spPr>
+          <a:xfrm>
+            <a:off x="0" y="0"/>
+            <a:ext cx="12192000" cy="6858000"/>
+          </a:xfrm>
+          <a:prstGeom prst="rect">
+            <a:avLst/>
+          </a:prstGeom>
+          <a:solidFill>
+            <a:srgbClr val="FFFFFF"/>
+          </a:solidFill>
+          <a:ln w="12700">
+            <a:miter lim="400000"/>
+          </a:ln>
+        </p:spPr>
+        <p:txBody>
+          <a:bodyPr lIns="45719" rIns="45719" anchor="ctr"/>
+          <a:lstStyle/>
+          <a:p>
+            <a:pPr algn="ctr">
+              <a:defRPr>
+                <a:solidFill>
+                  <a:srgbClr val="FFFFFF"/>
+                </a:solidFill>
+              </a:defRPr>
+            </a:pPr>
+          </a:p>
+        </p:txBody>
+      </p:sp>
+      <p:sp>
+        <p:nvSpPr>
+          <p:cNvPr id="127" name="Rectangle 9"/>
+          <p:cNvSpPr/>
+          <p:nvPr/>
+        </p:nvSpPr>
+        <p:spPr>
+          <a:xfrm>
+            <a:off x="0" y="0"/>
+            <a:ext cx="2013557" cy="6858000"/>
+          </a:xfrm>
+          <a:prstGeom prst="rect">
+            <a:avLst/>
+          </a:prstGeom>
+          <a:solidFill>
+            <a:srgbClr val="7F7F7F"/>
+          </a:solidFill>
+          <a:ln w="12700">
+            <a:miter lim="400000"/>
+          </a:ln>
+        </p:spPr>
+        <p:txBody>
+          <a:bodyPr lIns="45719" rIns="45719" anchor="ctr"/>
+          <a:lstStyle/>
+          <a:p>
+            <a:pPr algn="ctr">
+              <a:defRPr>
+                <a:solidFill>
+                  <a:srgbClr val="FFFFFF"/>
+                </a:solidFill>
+              </a:defRPr>
+            </a:pPr>
+          </a:p>
+        </p:txBody>
+      </p:sp>
+      <p:sp>
+        <p:nvSpPr>
+          <p:cNvPr id="128" name="Title 1"/>
           <p:cNvSpPr txBox="1"/>
           <p:nvPr>
             <p:ph type="title"/>
           </p:nvPr>
         </p:nvSpPr>
         <p:spPr>
-          <a:prstGeom prst="rect">
-            <a:avLst/>
-          </a:prstGeom>
+          <a:xfrm>
+            <a:off x="1043153" y="2471126"/>
+            <a:ext cx="1946209" cy="1915748"/>
+          </a:xfrm>
+          <a:prstGeom prst="rect">
+            <a:avLst/>
+          </a:prstGeom>
+          <a:solidFill>
+            <a:srgbClr val="262626"/>
+          </a:solidFill>
+          <a:ln w="174625">
+            <a:solidFill>
+              <a:srgbClr val="262626"/>
+            </a:solidFill>
+            <a:round/>
+          </a:ln>
         </p:spPr>
         <p:txBody>
           <a:bodyPr/>
-          <a:lstStyle/>
+          <a:lstStyle>
+            <a:lvl1pPr algn="ctr" defTabSz="777240">
+              <a:lnSpc>
+                <a:spcPct val="100000"/>
+              </a:lnSpc>
+              <a:defRPr sz="3740">
+                <a:solidFill>
+                  <a:srgbClr val="FFFFFF"/>
+                </a:solidFill>
+                <a:latin typeface="+mj-lt"/>
+                <a:ea typeface="+mj-ea"/>
+                <a:cs typeface="+mj-cs"/>
+                <a:sym typeface="Calibri"/>
+              </a:defRPr>
+            </a:lvl1pPr>
+          </a:lstStyle>
           <a:p>
             <a:pPr/>
             <a:r>
-              <a:t>Remove outliers</a:t>
-            </a:r>
-          </a:p>
-        </p:txBody>
-      </p:sp>
-      <p:sp>
-        <p:nvSpPr>
-          <p:cNvPr id="119" name="Content Placeholder 2"/>
-          <p:cNvSpPr txBox="1"/>
-          <p:nvPr>
-            <p:ph type="body" idx="1"/>
-          </p:nvPr>
-        </p:nvSpPr>
-        <p:spPr>
-          <a:xfrm>
-            <a:off x="457200" y="1600200"/>
-            <a:ext cx="8229600" cy="4525963"/>
-          </a:xfrm>
-          <a:prstGeom prst="rect">
-            <a:avLst/>
-          </a:prstGeom>
-        </p:spPr>
-        <p:txBody>
-          <a:bodyPr/>
-          <a:lstStyle/>
-          <a:p>
-            <a:pPr/>
+              <a:t>Log transform y</a:t>
+            </a:r>
           </a:p>
         </p:txBody>
       </p:sp>
       <p:pic>
         <p:nvPicPr>
-          <p:cNvPr id="120" name="Image" descr="Image"/>
+          <p:cNvPr id="129" name="Image" descr="Image"/>
           <p:cNvPicPr>
             <a:picLocks noChangeAspect="1"/>
           </p:cNvPicPr>
@@ -3522,8 +3943,37 @@
         </p:blipFill>
         <p:spPr>
           <a:xfrm>
-            <a:off x="1454150" y="1759791"/>
-            <a:ext cx="6235700" cy="3987801"/>
+            <a:off x="3085685" y="392188"/>
+            <a:ext cx="4641278" cy="3110857"/>
+          </a:xfrm>
+          <a:prstGeom prst="rect">
+            <a:avLst/>
+          </a:prstGeom>
+          <a:ln w="12700">
+            <a:miter lim="400000"/>
+          </a:ln>
+        </p:spPr>
+      </p:pic>
+      <p:pic>
+        <p:nvPicPr>
+          <p:cNvPr id="130" name="Image" descr="Image"/>
+          <p:cNvPicPr>
+            <a:picLocks noChangeAspect="1"/>
+          </p:cNvPicPr>
+          <p:nvPr/>
+        </p:nvPicPr>
+        <p:blipFill>
+          <a:blip r:embed="rId3">
+            <a:extLst/>
+          </a:blip>
+          <a:stretch>
+            <a:fillRect/>
+          </a:stretch>
+        </p:blipFill>
+        <p:spPr>
+          <a:xfrm>
+            <a:off x="7269981" y="3227808"/>
+            <a:ext cx="4744290" cy="3129216"/>
           </a:xfrm>
           <a:prstGeom prst="rect">
             <a:avLst/>
@@ -3561,287 +4011,325 @@
       </p:grpSpPr>
       <p:sp>
         <p:nvSpPr>
-          <p:cNvPr id="122" name="Log transform y"/>
+          <p:cNvPr id="132" name="Rectangle 7"/>
+          <p:cNvSpPr/>
+          <p:nvPr/>
+        </p:nvSpPr>
+        <p:spPr>
+          <a:xfrm>
+            <a:off x="0" y="0"/>
+            <a:ext cx="12192000" cy="6858000"/>
+          </a:xfrm>
+          <a:prstGeom prst="rect">
+            <a:avLst/>
+          </a:prstGeom>
+          <a:solidFill>
+            <a:srgbClr val="FFFFFF"/>
+          </a:solidFill>
+          <a:ln w="12700">
+            <a:miter lim="400000"/>
+          </a:ln>
+        </p:spPr>
+        <p:txBody>
+          <a:bodyPr lIns="45719" rIns="45719" anchor="ctr"/>
+          <a:lstStyle/>
+          <a:p>
+            <a:pPr algn="ctr">
+              <a:defRPr>
+                <a:solidFill>
+                  <a:srgbClr val="FFFFFF"/>
+                </a:solidFill>
+              </a:defRPr>
+            </a:pPr>
+          </a:p>
+        </p:txBody>
+      </p:sp>
+      <p:sp>
+        <p:nvSpPr>
+          <p:cNvPr id="133" name="Rectangle 9"/>
+          <p:cNvSpPr/>
+          <p:nvPr/>
+        </p:nvSpPr>
+        <p:spPr>
+          <a:xfrm>
+            <a:off x="0" y="0"/>
+            <a:ext cx="2013557" cy="6858000"/>
+          </a:xfrm>
+          <a:prstGeom prst="rect">
+            <a:avLst/>
+          </a:prstGeom>
+          <a:solidFill>
+            <a:srgbClr val="7F7F7F"/>
+          </a:solidFill>
+          <a:ln w="12700">
+            <a:miter lim="400000"/>
+          </a:ln>
+        </p:spPr>
+        <p:txBody>
+          <a:bodyPr lIns="45719" rIns="45719" anchor="ctr"/>
+          <a:lstStyle/>
+          <a:p>
+            <a:pPr algn="ctr">
+              <a:defRPr>
+                <a:solidFill>
+                  <a:srgbClr val="FFFFFF"/>
+                </a:solidFill>
+              </a:defRPr>
+            </a:pPr>
+          </a:p>
+        </p:txBody>
+      </p:sp>
+      <p:sp>
+        <p:nvSpPr>
+          <p:cNvPr id="134" name="Title 1"/>
           <p:cNvSpPr txBox="1"/>
           <p:nvPr>
             <p:ph type="title"/>
           </p:nvPr>
         </p:nvSpPr>
         <p:spPr>
-          <a:prstGeom prst="rect">
-            <a:avLst/>
-          </a:prstGeom>
+          <a:xfrm>
+            <a:off x="1043153" y="2471126"/>
+            <a:ext cx="1946209" cy="1915748"/>
+          </a:xfrm>
+          <a:prstGeom prst="rect">
+            <a:avLst/>
+          </a:prstGeom>
+          <a:solidFill>
+            <a:srgbClr val="262626"/>
+          </a:solidFill>
+          <a:ln w="174625">
+            <a:solidFill>
+              <a:srgbClr val="262626"/>
+            </a:solidFill>
+            <a:round/>
+          </a:ln>
         </p:spPr>
         <p:txBody>
           <a:bodyPr/>
-          <a:lstStyle/>
+          <a:lstStyle>
+            <a:lvl1pPr algn="ctr">
+              <a:lnSpc>
+                <a:spcPct val="100000"/>
+              </a:lnSpc>
+              <a:defRPr>
+                <a:solidFill>
+                  <a:srgbClr val="FFFFFF"/>
+                </a:solidFill>
+                <a:latin typeface="+mj-lt"/>
+                <a:ea typeface="+mj-ea"/>
+                <a:cs typeface="+mj-cs"/>
+                <a:sym typeface="Calibri"/>
+              </a:defRPr>
+            </a:lvl1pPr>
+          </a:lstStyle>
           <a:p>
             <a:pPr/>
             <a:r>
-              <a:t>Log transform y</a:t>
+              <a:t>Conclusion</a:t>
             </a:r>
           </a:p>
         </p:txBody>
       </p:sp>
       <p:sp>
         <p:nvSpPr>
-          <p:cNvPr id="123" name="Body"/>
+          <p:cNvPr id="135" name="RMSE      and          R2:…"/>
           <p:cNvSpPr txBox="1"/>
           <p:nvPr>
             <p:ph type="body" idx="1"/>
           </p:nvPr>
         </p:nvSpPr>
         <p:spPr>
+          <a:xfrm>
+            <a:off x="3352800" y="1689100"/>
+            <a:ext cx="8229600" cy="4525963"/>
+          </a:xfrm>
           <a:prstGeom prst="rect">
             <a:avLst/>
           </a:prstGeom>
         </p:spPr>
         <p:txBody>
-          <a:bodyPr/>
+          <a:bodyPr lIns="45718" tIns="45718" rIns="45718" bIns="45718"/>
           <a:lstStyle/>
           <a:p>
-            <a:pPr/>
-          </a:p>
-        </p:txBody>
-      </p:sp>
-      <p:pic>
-        <p:nvPicPr>
-          <p:cNvPr id="124" name="Image" descr="Image"/>
-          <p:cNvPicPr>
-            <a:picLocks noChangeAspect="1"/>
-          </p:cNvPicPr>
-          <p:nvPr/>
-        </p:nvPicPr>
-        <p:blipFill>
-          <a:blip r:embed="rId2">
-            <a:extLst/>
-          </a:blip>
-          <a:stretch>
-            <a:fillRect/>
-          </a:stretch>
-        </p:blipFill>
-        <p:spPr>
-          <a:xfrm>
-            <a:off x="-190915" y="2652788"/>
-            <a:ext cx="4641276" cy="3110855"/>
-          </a:xfrm>
-          <a:prstGeom prst="rect">
-            <a:avLst/>
-          </a:prstGeom>
-          <a:ln w="12700">
-            <a:miter lim="400000"/>
-          </a:ln>
-        </p:spPr>
-      </p:pic>
-      <p:pic>
-        <p:nvPicPr>
-          <p:cNvPr id="125" name="Image" descr="Image"/>
-          <p:cNvPicPr>
-            <a:picLocks noChangeAspect="1"/>
-          </p:cNvPicPr>
-          <p:nvPr/>
-        </p:nvPicPr>
-        <p:blipFill>
-          <a:blip r:embed="rId3">
-            <a:extLst/>
-          </a:blip>
-          <a:stretch>
-            <a:fillRect/>
-          </a:stretch>
-        </p:blipFill>
-        <p:spPr>
-          <a:xfrm>
-            <a:off x="4399782" y="2643609"/>
-            <a:ext cx="4744289" cy="3129213"/>
-          </a:xfrm>
-          <a:prstGeom prst="rect">
-            <a:avLst/>
-          </a:prstGeom>
-          <a:ln w="12700">
-            <a:miter lim="400000"/>
-          </a:ln>
-        </p:spPr>
-      </p:pic>
-    </p:spTree>
-  </p:cSld>
-  <p:clrMapOvr>
-    <a:masterClrMapping/>
-  </p:clrMapOvr>
-  <p:transition xmlns:p14="http://schemas.microsoft.com/office/powerpoint/2010/main" spd="med" advClick="1"/>
-</p:sld>
-</file>
-
-<file path=ppt/slides/slide8.xml><?xml version="1.0" encoding="utf-8"?>
-<p:sld xmlns:a="http://schemas.openxmlformats.org/drawingml/2006/main" xmlns:r="http://schemas.openxmlformats.org/officeDocument/2006/relationships" xmlns:p="http://schemas.openxmlformats.org/presentationml/2006/main" xmlns:m="http://schemas.openxmlformats.org/officeDocument/2006/math" xmlns:a14="http://schemas.microsoft.com/office/drawing/2010/main" showMasterSp="1" showMasterPhAnim="1">
-  <p:cSld>
-    <p:spTree>
-      <p:nvGrpSpPr>
-        <p:cNvPr id="1" name=""/>
-        <p:cNvGrpSpPr/>
-        <p:nvPr/>
-      </p:nvGrpSpPr>
-      <p:grpSpPr>
-        <a:xfrm>
-          <a:off x="0" y="0"/>
-          <a:ext cx="0" cy="0"/>
-          <a:chOff x="0" y="0"/>
-          <a:chExt cx="0" cy="0"/>
-        </a:xfrm>
-      </p:grpSpPr>
-      <p:sp>
-        <p:nvSpPr>
-          <p:cNvPr id="127" name="Conclusion"/>
-          <p:cNvSpPr txBox="1"/>
-          <p:nvPr>
-            <p:ph type="title"/>
-          </p:nvPr>
-        </p:nvSpPr>
-        <p:spPr>
-          <a:prstGeom prst="rect">
-            <a:avLst/>
-          </a:prstGeom>
-        </p:spPr>
-        <p:txBody>
-          <a:bodyPr/>
-          <a:lstStyle/>
-          <a:p>
-            <a:pPr/>
-            <a:r>
-              <a:t>Conclusion</a:t>
+            <a:pPr marL="233172" indent="-233172" defTabSz="621791">
+              <a:lnSpc>
+                <a:spcPct val="100000"/>
+              </a:lnSpc>
+              <a:spcBef>
+                <a:spcPts val="500"/>
+              </a:spcBef>
+              <a:defRPr sz="2100"/>
+            </a:pPr>
+            <a:r>
+              <a:t>                                            RMSE      and          R2:</a:t>
+            </a:r>
+          </a:p>
+          <a:p>
+            <a:pPr marL="233172" indent="-233172" defTabSz="621791">
+              <a:lnSpc>
+                <a:spcPct val="100000"/>
+              </a:lnSpc>
+              <a:spcBef>
+                <a:spcPts val="500"/>
+              </a:spcBef>
+              <a:defRPr sz="2100"/>
+            </a:pPr>
+            <a:r>
+              <a:t>ExtraTrees                           27048.08            0.883939</a:t>
+            </a:r>
+          </a:p>
+          <a:p>
+            <a:pPr marL="233172" indent="-233172" defTabSz="621791">
+              <a:lnSpc>
+                <a:spcPct val="100000"/>
+              </a:lnSpc>
+              <a:spcBef>
+                <a:spcPts val="500"/>
+              </a:spcBef>
+              <a:defRPr sz="2100"/>
+            </a:pPr>
+            <a:r>
+              <a:t>Lasso                                   26802.87            0.803731</a:t>
+            </a:r>
+          </a:p>
+          <a:p>
+            <a:pPr marL="233172" indent="-233172" defTabSz="621791">
+              <a:lnSpc>
+                <a:spcPct val="100000"/>
+              </a:lnSpc>
+              <a:spcBef>
+                <a:spcPts val="500"/>
+              </a:spcBef>
+              <a:defRPr sz="2100"/>
+            </a:pPr>
+            <a:r>
+              <a:t>Ridge                                  30723.94             0.786243</a:t>
+            </a:r>
+          </a:p>
+          <a:p>
+            <a:pPr marL="233172" indent="-233172" defTabSz="621791">
+              <a:lnSpc>
+                <a:spcPct val="100000"/>
+              </a:lnSpc>
+              <a:spcBef>
+                <a:spcPts val="500"/>
+              </a:spcBef>
+              <a:defRPr sz="2100"/>
+            </a:pPr>
+            <a:r>
+              <a:t>Bagging Lasso                      37058.150</a:t>
+            </a:r>
+          </a:p>
+          <a:p>
+            <a:pPr marL="233172" indent="-233172" defTabSz="621791">
+              <a:lnSpc>
+                <a:spcPct val="100000"/>
+              </a:lnSpc>
+              <a:spcBef>
+                <a:spcPts val="500"/>
+              </a:spcBef>
+              <a:defRPr sz="2100"/>
+            </a:pPr>
+            <a:r>
+              <a:t>Bagging Ridge                      36500.47</a:t>
+            </a:r>
+          </a:p>
+          <a:p>
+            <a:pPr marL="233172" indent="-233172" defTabSz="621791">
+              <a:lnSpc>
+                <a:spcPct val="100000"/>
+              </a:lnSpc>
+              <a:spcBef>
+                <a:spcPts val="500"/>
+              </a:spcBef>
+              <a:defRPr sz="2100"/>
+            </a:pPr>
+            <a:r>
+              <a:t>Lasso with sheared data       19150.15             0.883223</a:t>
+            </a:r>
+          </a:p>
+          <a:p>
+            <a:pPr marL="233172" indent="-233172" defTabSz="621791">
+              <a:lnSpc>
+                <a:spcPct val="100000"/>
+              </a:lnSpc>
+              <a:spcBef>
+                <a:spcPts val="500"/>
+              </a:spcBef>
+              <a:defRPr sz="2100"/>
+            </a:pPr>
+            <a:r>
+              <a:t>Ridge with sheared data       21843.75             0.866617</a:t>
+            </a:r>
+          </a:p>
+          <a:p>
+            <a:pPr marL="233172" indent="-233172" defTabSz="621791">
+              <a:lnSpc>
+                <a:spcPct val="100000"/>
+              </a:lnSpc>
+              <a:spcBef>
+                <a:spcPts val="500"/>
+              </a:spcBef>
+              <a:defRPr sz="2100"/>
+            </a:pPr>
+            <a:r>
+              <a:t>Lasso with log transformed y 0.124385            0.902168</a:t>
+            </a:r>
+          </a:p>
+          <a:p>
+            <a:pPr marL="233172" indent="-233172" defTabSz="621791">
+              <a:lnSpc>
+                <a:spcPct val="100000"/>
+              </a:lnSpc>
+              <a:spcBef>
+                <a:spcPts val="500"/>
+              </a:spcBef>
+              <a:defRPr sz="2100"/>
+            </a:pPr>
+            <a:r>
+              <a:t>Ridge with log transformed y 0.134803.           0.897598</a:t>
             </a:r>
           </a:p>
         </p:txBody>
       </p:sp>
       <p:sp>
         <p:nvSpPr>
-          <p:cNvPr id="128" name="RMSE:…"/>
+          <p:cNvPr id="136" name="Conclusion"/>
           <p:cNvSpPr txBox="1"/>
-          <p:nvPr>
-            <p:ph type="body" idx="1"/>
-          </p:nvPr>
+          <p:nvPr/>
         </p:nvSpPr>
         <p:spPr>
-          <a:prstGeom prst="rect">
-            <a:avLst/>
-          </a:prstGeom>
+          <a:xfrm>
+            <a:off x="3352800" y="452438"/>
+            <a:ext cx="8229600" cy="1143002"/>
+          </a:xfrm>
+          <a:prstGeom prst="rect">
+            <a:avLst/>
+          </a:prstGeom>
+          <a:ln w="12700">
+            <a:miter lim="400000"/>
+          </a:ln>
+          <a:extLst>
+            <a:ext uri="{C572A759-6A51-4108-AA02-DFA0A04FC94B}">
+              <ma14:wrappingTextBoxFlag xmlns:ma14="http://schemas.microsoft.com/office/mac/drawingml/2011/main" val="1"/>
+            </a:ext>
+          </a:extLst>
         </p:spPr>
         <p:txBody>
-          <a:bodyPr/>
-          <a:lstStyle/>
-          <a:p>
-            <a:pPr marL="233172" indent="-233172" defTabSz="621791">
-              <a:spcBef>
-                <a:spcPts val="500"/>
-              </a:spcBef>
-              <a:defRPr sz="2176"/>
-            </a:pPr>
-            <a:r>
-              <a:t>RMSE:</a:t>
-            </a:r>
-          </a:p>
-          <a:p>
-            <a:pPr marL="233172" indent="-233172" defTabSz="621791">
-              <a:spcBef>
-                <a:spcPts val="500"/>
-              </a:spcBef>
-              <a:defRPr sz="2176"/>
-            </a:pPr>
-            <a:r>
-              <a:t>ExtraTrees 27048.08</a:t>
-            </a:r>
-          </a:p>
-          <a:p>
-            <a:pPr marL="233172" indent="-233172" defTabSz="621791">
-              <a:spcBef>
-                <a:spcPts val="500"/>
-              </a:spcBef>
-              <a:defRPr sz="2176"/>
-            </a:pPr>
-            <a:r>
-              <a:t>Lasso 26802.87</a:t>
-            </a:r>
-          </a:p>
-          <a:p>
-            <a:pPr marL="233172" indent="-233172" defTabSz="621791">
-              <a:spcBef>
-                <a:spcPts val="500"/>
-              </a:spcBef>
-              <a:defRPr sz="2176"/>
-            </a:pPr>
-            <a:r>
-              <a:t>Ridge 30723.94</a:t>
-            </a:r>
-          </a:p>
-          <a:p>
-            <a:pPr marL="233172" indent="-233172" defTabSz="621791">
-              <a:spcBef>
-                <a:spcPts val="500"/>
-              </a:spcBef>
-              <a:defRPr sz="2176"/>
-            </a:pPr>
-            <a:r>
-              <a:t>Bagging Lasso 37058.150</a:t>
-            </a:r>
-          </a:p>
-          <a:p>
-            <a:pPr marL="233172" indent="-233172" defTabSz="621791">
-              <a:spcBef>
-                <a:spcPts val="500"/>
-              </a:spcBef>
-              <a:defRPr sz="2176"/>
-            </a:pPr>
-            <a:r>
-              <a:t>Bagging Ridge 36500.47</a:t>
-            </a:r>
-          </a:p>
-          <a:p>
-            <a:pPr marL="233172" indent="-233172" defTabSz="621791">
-              <a:spcBef>
-                <a:spcPts val="500"/>
-              </a:spcBef>
-              <a:defRPr sz="2176"/>
-            </a:pPr>
-            <a:r>
-              <a:t>Lasso with sheared data 19150.15</a:t>
-            </a:r>
-          </a:p>
-          <a:p>
-            <a:pPr marL="233172" indent="-233172" defTabSz="621791">
-              <a:spcBef>
-                <a:spcPts val="500"/>
-              </a:spcBef>
-              <a:defRPr sz="2176"/>
-            </a:pPr>
-            <a:r>
-              <a:t>Lasso with log transformed y 0.124385</a:t>
-            </a:r>
-          </a:p>
-          <a:p>
-            <a:pPr marL="233172" indent="-233172" defTabSz="621791">
-              <a:spcBef>
-                <a:spcPts val="500"/>
-              </a:spcBef>
-              <a:defRPr sz="2176"/>
-            </a:pPr>
-            <a:r>
-              <a:t>Ridge with log transformed y 0.134803</a:t>
-            </a:r>
-          </a:p>
-          <a:p>
-            <a:pPr marL="233172" indent="-233172" defTabSz="621791">
-              <a:spcBef>
-                <a:spcPts val="500"/>
-              </a:spcBef>
-              <a:defRPr sz="2176"/>
-            </a:pPr>
-          </a:p>
-          <a:p>
-            <a:pPr marL="233172" indent="-233172" defTabSz="621791">
-              <a:spcBef>
-                <a:spcPts val="500"/>
-              </a:spcBef>
-              <a:defRPr sz="2176"/>
-            </a:pPr>
+          <a:bodyPr lIns="45718" tIns="45718" rIns="45718" bIns="45718" anchor="ctr">
+            <a:normAutofit fontScale="100000" lnSpcReduction="0"/>
+          </a:bodyPr>
+          <a:lstStyle>
+            <a:lvl1pPr algn="ctr">
+              <a:defRPr sz="4400"/>
+            </a:lvl1pPr>
+          </a:lstStyle>
+          <a:p>
+            <a:pPr/>
+            <a:r>
+              <a:t>Conclusion</a:t>
+            </a:r>
           </a:p>
         </p:txBody>
       </p:sp>
@@ -3871,22 +4359,22 @@
         <a:srgbClr val="535353"/>
       </a:lt2>
       <a:accent1>
-        <a:srgbClr val="4F81BD"/>
+        <a:srgbClr val="4472C4"/>
       </a:accent1>
       <a:accent2>
-        <a:srgbClr val="C0504D"/>
+        <a:srgbClr val="ED7D31"/>
       </a:accent2>
       <a:accent3>
-        <a:srgbClr val="9BBB59"/>
+        <a:srgbClr val="A5A5A5"/>
       </a:accent3>
       <a:accent4>
-        <a:srgbClr val="8064A2"/>
+        <a:srgbClr val="FFC000"/>
       </a:accent4>
       <a:accent5>
-        <a:srgbClr val="4BACC6"/>
+        <a:srgbClr val="5B9BD5"/>
       </a:accent5>
       <a:accent6>
-        <a:srgbClr val="F79646"/>
+        <a:srgbClr val="70AD47"/>
       </a:accent6>
       <a:hlink>
         <a:srgbClr val="0000FF"/>
@@ -3897,14 +4385,14 @@
     </a:clrScheme>
     <a:fontScheme name="Office Theme">
       <a:majorFont>
+        <a:latin typeface="Calibri"/>
+        <a:ea typeface="Calibri"/>
+        <a:cs typeface="Calibri"/>
+      </a:majorFont>
+      <a:minorFont>
         <a:latin typeface="Helvetica"/>
         <a:ea typeface="Helvetica"/>
         <a:cs typeface="Helvetica"/>
-      </a:majorFont>
-      <a:minorFont>
-        <a:latin typeface="Calibri"/>
-        <a:ea typeface="Calibri"/>
-        <a:cs typeface="Calibri"/>
       </a:minorFont>
     </a:fontScheme>
     <a:fmtScheme name="Office Theme">
@@ -3980,31 +4468,13 @@
       </a:lnStyleLst>
       <a:effectStyleLst>
         <a:effectStyle>
-          <a:effectLst>
-            <a:outerShdw sx="100000" sy="100000" kx="0" ky="0" algn="b" rotWithShape="0" blurRad="38100" dist="23000" dir="5400000">
-              <a:srgbClr val="000000">
-                <a:alpha val="35000"/>
-              </a:srgbClr>
-            </a:outerShdw>
-          </a:effectLst>
+          <a:effectLst/>
         </a:effectStyle>
         <a:effectStyle>
-          <a:effectLst>
-            <a:outerShdw sx="100000" sy="100000" kx="0" ky="0" algn="b" rotWithShape="0" blurRad="38100" dist="23000" dir="5400000">
-              <a:srgbClr val="000000">
-                <a:alpha val="35000"/>
-              </a:srgbClr>
-            </a:outerShdw>
-          </a:effectLst>
+          <a:effectLst/>
         </a:effectStyle>
         <a:effectStyle>
-          <a:effectLst>
-            <a:outerShdw sx="100000" sy="100000" kx="0" ky="0" algn="b" rotWithShape="0" blurRad="38100" dist="20000" dir="5400000">
-              <a:srgbClr val="000000">
-                <a:alpha val="38000"/>
-              </a:srgbClr>
-            </a:outerShdw>
-          </a:effectLst>
+          <a:effectLst/>
         </a:effectStyle>
       </a:effectStyleLst>
       <a:bgFillStyleLst>
@@ -4065,20 +4535,14 @@
         <a:solidFill>
           <a:srgbClr val="FFFFFF"/>
         </a:solidFill>
-        <a:ln w="25400" cap="flat">
+        <a:ln w="12700" cap="flat">
           <a:solidFill>
             <a:schemeClr val="accent1"/>
           </a:solidFill>
           <a:prstDash val="solid"/>
-          <a:round/>
+          <a:miter lim="800000"/>
         </a:ln>
-        <a:effectLst>
-          <a:outerShdw sx="100000" sy="100000" kx="0" ky="0" algn="b" rotWithShape="0" blurRad="38100" dist="23000" dir="5400000">
-            <a:srgbClr val="000000">
-              <a:alpha val="35000"/>
-            </a:srgbClr>
-          </a:outerShdw>
-        </a:effectLst>
+        <a:effectLst/>
         <a:sp3d/>
       </a:spPr>
       <a:bodyPr rot="0" spcFirstLastPara="1" vertOverflow="overflow" horzOverflow="overflow" vert="horz" wrap="square" lIns="45719" tIns="45719" rIns="45719" bIns="45719" numCol="1" spcCol="38100" rtlCol="0" anchor="ctr" upright="0">
@@ -4109,9 +4573,9 @@
             </a:solidFill>
             <a:effectLst/>
             <a:uFillTx/>
-            <a:latin typeface="+mn-lt"/>
-            <a:ea typeface="+mn-ea"/>
-            <a:cs typeface="+mn-cs"/>
+            <a:latin typeface="+mj-lt"/>
+            <a:ea typeface="+mj-ea"/>
+            <a:cs typeface="+mj-cs"/>
             <a:sym typeface="Calibri"/>
           </a:defRPr>
         </a:defPPr>
@@ -4360,20 +4824,14 @@
     <a:lnDef>
       <a:spPr>
         <a:noFill/>
-        <a:ln w="25400" cap="flat">
+        <a:ln w="12700" cap="flat">
           <a:solidFill>
             <a:schemeClr val="accent1"/>
           </a:solidFill>
           <a:prstDash val="solid"/>
-          <a:round/>
+          <a:miter lim="800000"/>
         </a:ln>
-        <a:effectLst>
-          <a:outerShdw sx="100000" sy="100000" kx="0" ky="0" algn="b" rotWithShape="0" blurRad="38100" dist="20000" dir="5400000">
-            <a:srgbClr val="000000">
-              <a:alpha val="38000"/>
-            </a:srgbClr>
-          </a:outerShdw>
-        </a:effectLst>
+        <a:effectLst/>
         <a:sp3d/>
       </a:spPr>
       <a:bodyPr rot="0" spcFirstLastPara="1" vertOverflow="overflow" horzOverflow="overflow" vert="horz" wrap="square" lIns="91439" tIns="45719" rIns="91439" bIns="45719" numCol="1" spcCol="38100" rtlCol="0" anchor="t" upright="0">
@@ -4686,9 +5144,9 @@
             </a:solidFill>
             <a:effectLst/>
             <a:uFillTx/>
-            <a:latin typeface="+mn-lt"/>
-            <a:ea typeface="+mn-ea"/>
-            <a:cs typeface="+mn-cs"/>
+            <a:latin typeface="+mj-lt"/>
+            <a:ea typeface="+mj-ea"/>
+            <a:cs typeface="+mj-cs"/>
             <a:sym typeface="Calibri"/>
           </a:defRPr>
         </a:defPPr>
@@ -4955,22 +5413,22 @@
         <a:srgbClr val="535353"/>
       </a:lt2>
       <a:accent1>
-        <a:srgbClr val="4F81BD"/>
+        <a:srgbClr val="4472C4"/>
       </a:accent1>
       <a:accent2>
-        <a:srgbClr val="C0504D"/>
+        <a:srgbClr val="ED7D31"/>
       </a:accent2>
       <a:accent3>
-        <a:srgbClr val="9BBB59"/>
+        <a:srgbClr val="A5A5A5"/>
       </a:accent3>
       <a:accent4>
-        <a:srgbClr val="8064A2"/>
+        <a:srgbClr val="FFC000"/>
       </a:accent4>
       <a:accent5>
-        <a:srgbClr val="4BACC6"/>
+        <a:srgbClr val="5B9BD5"/>
       </a:accent5>
       <a:accent6>
-        <a:srgbClr val="F79646"/>
+        <a:srgbClr val="70AD47"/>
       </a:accent6>
       <a:hlink>
         <a:srgbClr val="0000FF"/>
@@ -4981,14 +5439,14 @@
     </a:clrScheme>
     <a:fontScheme name="Office Theme">
       <a:majorFont>
+        <a:latin typeface="Calibri"/>
+        <a:ea typeface="Calibri"/>
+        <a:cs typeface="Calibri"/>
+      </a:majorFont>
+      <a:minorFont>
         <a:latin typeface="Helvetica"/>
         <a:ea typeface="Helvetica"/>
         <a:cs typeface="Helvetica"/>
-      </a:majorFont>
-      <a:minorFont>
-        <a:latin typeface="Calibri"/>
-        <a:ea typeface="Calibri"/>
-        <a:cs typeface="Calibri"/>
       </a:minorFont>
     </a:fontScheme>
     <a:fmtScheme name="Office Theme">
@@ -5064,31 +5522,13 @@
       </a:lnStyleLst>
       <a:effectStyleLst>
         <a:effectStyle>
-          <a:effectLst>
-            <a:outerShdw sx="100000" sy="100000" kx="0" ky="0" algn="b" rotWithShape="0" blurRad="38100" dist="23000" dir="5400000">
-              <a:srgbClr val="000000">
-                <a:alpha val="35000"/>
-              </a:srgbClr>
-            </a:outerShdw>
-          </a:effectLst>
+          <a:effectLst/>
         </a:effectStyle>
         <a:effectStyle>
-          <a:effectLst>
-            <a:outerShdw sx="100000" sy="100000" kx="0" ky="0" algn="b" rotWithShape="0" blurRad="38100" dist="23000" dir="5400000">
-              <a:srgbClr val="000000">
-                <a:alpha val="35000"/>
-              </a:srgbClr>
-            </a:outerShdw>
-          </a:effectLst>
+          <a:effectLst/>
         </a:effectStyle>
         <a:effectStyle>
-          <a:effectLst>
-            <a:outerShdw sx="100000" sy="100000" kx="0" ky="0" algn="b" rotWithShape="0" blurRad="38100" dist="20000" dir="5400000">
-              <a:srgbClr val="000000">
-                <a:alpha val="38000"/>
-              </a:srgbClr>
-            </a:outerShdw>
-          </a:effectLst>
+          <a:effectLst/>
         </a:effectStyle>
       </a:effectStyleLst>
       <a:bgFillStyleLst>
@@ -5149,20 +5589,14 @@
         <a:solidFill>
           <a:srgbClr val="FFFFFF"/>
         </a:solidFill>
-        <a:ln w="25400" cap="flat">
+        <a:ln w="12700" cap="flat">
           <a:solidFill>
             <a:schemeClr val="accent1"/>
           </a:solidFill>
           <a:prstDash val="solid"/>
-          <a:round/>
+          <a:miter lim="800000"/>
         </a:ln>
-        <a:effectLst>
-          <a:outerShdw sx="100000" sy="100000" kx="0" ky="0" algn="b" rotWithShape="0" blurRad="38100" dist="23000" dir="5400000">
-            <a:srgbClr val="000000">
-              <a:alpha val="35000"/>
-            </a:srgbClr>
-          </a:outerShdw>
-        </a:effectLst>
+        <a:effectLst/>
         <a:sp3d/>
       </a:spPr>
       <a:bodyPr rot="0" spcFirstLastPara="1" vertOverflow="overflow" horzOverflow="overflow" vert="horz" wrap="square" lIns="45719" tIns="45719" rIns="45719" bIns="45719" numCol="1" spcCol="38100" rtlCol="0" anchor="ctr" upright="0">
@@ -5193,9 +5627,9 @@
             </a:solidFill>
             <a:effectLst/>
             <a:uFillTx/>
-            <a:latin typeface="+mn-lt"/>
-            <a:ea typeface="+mn-ea"/>
-            <a:cs typeface="+mn-cs"/>
+            <a:latin typeface="+mj-lt"/>
+            <a:ea typeface="+mj-ea"/>
+            <a:cs typeface="+mj-cs"/>
             <a:sym typeface="Calibri"/>
           </a:defRPr>
         </a:defPPr>
@@ -5444,20 +5878,14 @@
     <a:lnDef>
       <a:spPr>
         <a:noFill/>
-        <a:ln w="25400" cap="flat">
+        <a:ln w="12700" cap="flat">
           <a:solidFill>
             <a:schemeClr val="accent1"/>
           </a:solidFill>
           <a:prstDash val="solid"/>
-          <a:round/>
+          <a:miter lim="800000"/>
         </a:ln>
-        <a:effectLst>
-          <a:outerShdw sx="100000" sy="100000" kx="0" ky="0" algn="b" rotWithShape="0" blurRad="38100" dist="20000" dir="5400000">
-            <a:srgbClr val="000000">
-              <a:alpha val="38000"/>
-            </a:srgbClr>
-          </a:outerShdw>
-        </a:effectLst>
+        <a:effectLst/>
         <a:sp3d/>
       </a:spPr>
       <a:bodyPr rot="0" spcFirstLastPara="1" vertOverflow="overflow" horzOverflow="overflow" vert="horz" wrap="square" lIns="91439" tIns="45719" rIns="91439" bIns="45719" numCol="1" spcCol="38100" rtlCol="0" anchor="t" upright="0">
@@ -5770,9 +6198,9 @@
             </a:solidFill>
             <a:effectLst/>
             <a:uFillTx/>
-            <a:latin typeface="+mn-lt"/>
-            <a:ea typeface="+mn-ea"/>
-            <a:cs typeface="+mn-cs"/>
+            <a:latin typeface="+mj-lt"/>
+            <a:ea typeface="+mj-ea"/>
+            <a:cs typeface="+mj-cs"/>
             <a:sym typeface="Calibri"/>
           </a:defRPr>
         </a:defPPr>
